--- a/ppt/1.2 C++程序结构.pptx
+++ b/ppt/1.2 C++程序结构.pptx
@@ -5,7 +5,7 @@
     <p:sldMasterId id="2147483648" r:id="rId1"/>
   </p:sldMasterIdLst>
   <p:notesMasterIdLst>
-    <p:notesMasterId r:id="rId50"/>
+    <p:notesMasterId r:id="rId51"/>
   </p:notesMasterIdLst>
   <p:sldIdLst>
     <p:sldId id="256" r:id="rId2"/>
@@ -28,34 +28,35 @@
     <p:sldId id="484" r:id="rId19"/>
     <p:sldId id="552" r:id="rId20"/>
     <p:sldId id="502" r:id="rId21"/>
-    <p:sldId id="503" r:id="rId22"/>
-    <p:sldId id="504" r:id="rId23"/>
-    <p:sldId id="542" r:id="rId24"/>
-    <p:sldId id="431" r:id="rId25"/>
-    <p:sldId id="475" r:id="rId26"/>
-    <p:sldId id="518" r:id="rId27"/>
-    <p:sldId id="544" r:id="rId28"/>
-    <p:sldId id="545" r:id="rId29"/>
-    <p:sldId id="506" r:id="rId30"/>
-    <p:sldId id="470" r:id="rId31"/>
-    <p:sldId id="533" r:id="rId32"/>
-    <p:sldId id="534" r:id="rId33"/>
-    <p:sldId id="535" r:id="rId34"/>
-    <p:sldId id="458" r:id="rId35"/>
-    <p:sldId id="459" r:id="rId36"/>
-    <p:sldId id="516" r:id="rId37"/>
-    <p:sldId id="517" r:id="rId38"/>
-    <p:sldId id="546" r:id="rId39"/>
-    <p:sldId id="548" r:id="rId40"/>
-    <p:sldId id="549" r:id="rId41"/>
-    <p:sldId id="547" r:id="rId42"/>
-    <p:sldId id="428" r:id="rId43"/>
-    <p:sldId id="476" r:id="rId44"/>
-    <p:sldId id="477" r:id="rId45"/>
-    <p:sldId id="454" r:id="rId46"/>
-    <p:sldId id="451" r:id="rId47"/>
-    <p:sldId id="452" r:id="rId48"/>
-    <p:sldId id="492" r:id="rId49"/>
+    <p:sldId id="554" r:id="rId22"/>
+    <p:sldId id="503" r:id="rId23"/>
+    <p:sldId id="504" r:id="rId24"/>
+    <p:sldId id="542" r:id="rId25"/>
+    <p:sldId id="431" r:id="rId26"/>
+    <p:sldId id="475" r:id="rId27"/>
+    <p:sldId id="518" r:id="rId28"/>
+    <p:sldId id="544" r:id="rId29"/>
+    <p:sldId id="545" r:id="rId30"/>
+    <p:sldId id="506" r:id="rId31"/>
+    <p:sldId id="470" r:id="rId32"/>
+    <p:sldId id="533" r:id="rId33"/>
+    <p:sldId id="534" r:id="rId34"/>
+    <p:sldId id="535" r:id="rId35"/>
+    <p:sldId id="458" r:id="rId36"/>
+    <p:sldId id="459" r:id="rId37"/>
+    <p:sldId id="516" r:id="rId38"/>
+    <p:sldId id="517" r:id="rId39"/>
+    <p:sldId id="546" r:id="rId40"/>
+    <p:sldId id="548" r:id="rId41"/>
+    <p:sldId id="549" r:id="rId42"/>
+    <p:sldId id="547" r:id="rId43"/>
+    <p:sldId id="428" r:id="rId44"/>
+    <p:sldId id="476" r:id="rId45"/>
+    <p:sldId id="477" r:id="rId46"/>
+    <p:sldId id="454" r:id="rId47"/>
+    <p:sldId id="451" r:id="rId48"/>
+    <p:sldId id="452" r:id="rId49"/>
+    <p:sldId id="364" r:id="rId50"/>
   </p:sldIdLst>
   <p:sldSz cx="12192000" cy="6858000"/>
   <p:notesSz cx="7099300" cy="10234613"/>
@@ -255,7 +256,7 @@
           <a:p>
             <a:fld id="{F26537E0-B6F7-4F30-B86B-4CA7244EDE51}" type="datetimeFigureOut">
               <a:rPr lang="zh-CN" altLang="en-US" smtClean="0"/>
-              <a:t>2020/2/27</a:t>
+              <a:t>2025/2/16</a:t>
             </a:fld>
             <a:endParaRPr lang="zh-CN" altLang="en-US"/>
           </a:p>
@@ -671,7 +672,7 @@
           <a:p>
             <a:fld id="{F390385D-F95C-4E89-B19C-4AA09430C76A}" type="slidenum">
               <a:rPr lang="zh-CN" altLang="en-US" smtClean="0"/>
-              <a:t>24</a:t>
+              <a:t>25</a:t>
             </a:fld>
             <a:endParaRPr lang="zh-CN" altLang="en-US"/>
           </a:p>
@@ -755,7 +756,7 @@
           <a:p>
             <a:fld id="{F390385D-F95C-4E89-B19C-4AA09430C76A}" type="slidenum">
               <a:rPr lang="zh-CN" altLang="en-US" smtClean="0"/>
-              <a:t>35</a:t>
+              <a:t>36</a:t>
             </a:fld>
             <a:endParaRPr lang="zh-CN" altLang="en-US"/>
           </a:p>
@@ -839,7 +840,7 @@
           <a:p>
             <a:fld id="{F390385D-F95C-4E89-B19C-4AA09430C76A}" type="slidenum">
               <a:rPr lang="zh-CN" altLang="en-US" smtClean="0"/>
-              <a:t>42</a:t>
+              <a:t>43</a:t>
             </a:fld>
             <a:endParaRPr lang="zh-CN" altLang="en-US"/>
           </a:p>
@@ -927,7 +928,7 @@
           <a:p>
             <a:fld id="{F390385D-F95C-4E89-B19C-4AA09430C76A}" type="slidenum">
               <a:rPr lang="zh-CN" altLang="en-US" smtClean="0"/>
-              <a:t>45</a:t>
+              <a:t>46</a:t>
             </a:fld>
             <a:endParaRPr lang="zh-CN" altLang="en-US"/>
           </a:p>
@@ -1081,7 +1082,7 @@
           <a:p>
             <a:fld id="{28F278B1-967A-472E-BA85-F595929CDA06}" type="datetimeFigureOut">
               <a:rPr lang="zh-CN" altLang="en-US" smtClean="0"/>
-              <a:t>2020/2/27</a:t>
+              <a:t>2025/2/16</a:t>
             </a:fld>
             <a:endParaRPr lang="zh-CN" altLang="en-US"/>
           </a:p>
@@ -1244,7 +1245,7 @@
           <a:p>
             <a:fld id="{28F278B1-967A-472E-BA85-F595929CDA06}" type="datetimeFigureOut">
               <a:rPr lang="zh-CN" altLang="en-US" smtClean="0"/>
-              <a:t>2020/2/27</a:t>
+              <a:t>2025/2/16</a:t>
             </a:fld>
             <a:endParaRPr lang="zh-CN" altLang="en-US"/>
           </a:p>
@@ -1417,7 +1418,7 @@
           <a:p>
             <a:fld id="{28F278B1-967A-472E-BA85-F595929CDA06}" type="datetimeFigureOut">
               <a:rPr lang="zh-CN" altLang="en-US" smtClean="0"/>
-              <a:t>2020/2/27</a:t>
+              <a:t>2025/2/16</a:t>
             </a:fld>
             <a:endParaRPr lang="zh-CN" altLang="en-US"/>
           </a:p>
@@ -1592,7 +1593,7 @@
           <a:p>
             <a:fld id="{28F278B1-967A-472E-BA85-F595929CDA06}" type="datetimeFigureOut">
               <a:rPr lang="zh-CN" altLang="en-US" smtClean="0"/>
-              <a:t>2020/2/27</a:t>
+              <a:t>2025/2/16</a:t>
             </a:fld>
             <a:endParaRPr lang="zh-CN" altLang="en-US"/>
           </a:p>
@@ -1832,7 +1833,7 @@
           <a:p>
             <a:fld id="{28F278B1-967A-472E-BA85-F595929CDA06}" type="datetimeFigureOut">
               <a:rPr lang="zh-CN" altLang="en-US" smtClean="0"/>
-              <a:t>2020/2/27</a:t>
+              <a:t>2025/2/16</a:t>
             </a:fld>
             <a:endParaRPr lang="zh-CN" altLang="en-US"/>
           </a:p>
@@ -2056,7 +2057,7 @@
           <a:p>
             <a:fld id="{28F278B1-967A-472E-BA85-F595929CDA06}" type="datetimeFigureOut">
               <a:rPr lang="zh-CN" altLang="en-US" smtClean="0"/>
-              <a:t>2020/2/27</a:t>
+              <a:t>2025/2/16</a:t>
             </a:fld>
             <a:endParaRPr lang="zh-CN" altLang="en-US"/>
           </a:p>
@@ -2415,7 +2416,7 @@
           <a:p>
             <a:fld id="{28F278B1-967A-472E-BA85-F595929CDA06}" type="datetimeFigureOut">
               <a:rPr lang="zh-CN" altLang="en-US" smtClean="0"/>
-              <a:t>2020/2/27</a:t>
+              <a:t>2025/2/16</a:t>
             </a:fld>
             <a:endParaRPr lang="zh-CN" altLang="en-US"/>
           </a:p>
@@ -2527,7 +2528,7 @@
           <a:p>
             <a:fld id="{28F278B1-967A-472E-BA85-F595929CDA06}" type="datetimeFigureOut">
               <a:rPr lang="zh-CN" altLang="en-US" smtClean="0"/>
-              <a:t>2020/2/27</a:t>
+              <a:t>2025/2/16</a:t>
             </a:fld>
             <a:endParaRPr lang="zh-CN" altLang="en-US"/>
           </a:p>
@@ -2617,7 +2618,7 @@
           <a:p>
             <a:fld id="{28F278B1-967A-472E-BA85-F595929CDA06}" type="datetimeFigureOut">
               <a:rPr lang="zh-CN" altLang="en-US" smtClean="0"/>
-              <a:t>2020/2/27</a:t>
+              <a:t>2025/2/16</a:t>
             </a:fld>
             <a:endParaRPr lang="zh-CN" altLang="en-US"/>
           </a:p>
@@ -2887,7 +2888,7 @@
           <a:p>
             <a:fld id="{28F278B1-967A-472E-BA85-F595929CDA06}" type="datetimeFigureOut">
               <a:rPr lang="zh-CN" altLang="en-US" smtClean="0"/>
-              <a:t>2020/2/27</a:t>
+              <a:t>2025/2/16</a:t>
             </a:fld>
             <a:endParaRPr lang="zh-CN" altLang="en-US"/>
           </a:p>
@@ -3134,7 +3135,7 @@
           <a:p>
             <a:fld id="{28F278B1-967A-472E-BA85-F595929CDA06}" type="datetimeFigureOut">
               <a:rPr lang="zh-CN" altLang="en-US" smtClean="0"/>
-              <a:t>2020/2/27</a:t>
+              <a:t>2025/2/16</a:t>
             </a:fld>
             <a:endParaRPr lang="zh-CN" altLang="en-US"/>
           </a:p>
@@ -3340,7 +3341,7 @@
           <a:p>
             <a:fld id="{28F278B1-967A-472E-BA85-F595929CDA06}" type="datetimeFigureOut">
               <a:rPr lang="zh-CN" altLang="en-US" smtClean="0"/>
-              <a:t>2020/2/27</a:t>
+              <a:t>2025/2/16</a:t>
             </a:fld>
             <a:endParaRPr lang="zh-CN" altLang="en-US"/>
           </a:p>
@@ -3768,7 +3769,13 @@
       </p:sp>
       <p:sp>
         <p:nvSpPr>
-          <p:cNvPr id="6" name="副标题 2"/>
+          <p:cNvPr id="5" name="副标题 5">
+            <a:extLst>
+              <a:ext uri="{FF2B5EF4-FFF2-40B4-BE49-F238E27FC236}">
+                <a16:creationId xmlns:a16="http://schemas.microsoft.com/office/drawing/2014/main" id="{7682621E-F51C-963E-595F-CCDCA9C8805A}"/>
+              </a:ext>
+            </a:extLst>
+          </p:cNvPr>
           <p:cNvSpPr>
             <a:spLocks noGrp="1"/>
           </p:cNvSpPr>
@@ -3778,8 +3785,8 @@
         </p:nvSpPr>
         <p:spPr>
           <a:xfrm>
-            <a:off x="1524000" y="3602038"/>
-            <a:ext cx="9144000" cy="2087562"/>
+            <a:off x="1524000" y="4312227"/>
+            <a:ext cx="9144000" cy="1655762"/>
           </a:xfrm>
         </p:spPr>
         <p:txBody>
@@ -3788,17 +3795,75 @@
           </a:bodyPr>
           <a:lstStyle/>
           <a:p>
-            <a:endParaRPr lang="en-US" altLang="zh-CN" dirty="0"/>
-          </a:p>
-          <a:p>
-            <a:r>
-              <a:rPr lang="en-US" altLang="zh-CN" dirty="0" err="1"/>
+            <a:pPr>
+              <a:lnSpc>
+                <a:spcPct val="130000"/>
+              </a:lnSpc>
+            </a:pPr>
+            <a:r>
+              <a:rPr lang="en-US" altLang="zh-CN" sz="2800" dirty="0">
+                <a:latin typeface="Noto Sans SC Black" panose="020B0A00000000000000" pitchFamily="34" charset="-122"/>
+                <a:ea typeface="Noto Sans SC Black" panose="020B0A00000000000000" pitchFamily="34" charset="-122"/>
+              </a:rPr>
+              <a:t>YouTube</a:t>
+            </a:r>
+            <a:r>
+              <a:rPr lang="zh-CN" altLang="en-US" sz="2800" dirty="0">
+                <a:latin typeface="Noto Sans SC Black" panose="020B0A00000000000000" pitchFamily="34" charset="-122"/>
+                <a:ea typeface="Noto Sans SC Black" panose="020B0A00000000000000" pitchFamily="34" charset="-122"/>
+              </a:rPr>
+              <a:t>频道： </a:t>
+            </a:r>
+            <a:r>
+              <a:rPr lang="en-US" altLang="zh-CN" sz="2800" dirty="0">
+                <a:solidFill>
+                  <a:srgbClr val="0070C0"/>
+                </a:solidFill>
+                <a:latin typeface="Noto Sans SC Black" panose="020B0A00000000000000" pitchFamily="34" charset="-122"/>
+                <a:ea typeface="Noto Sans SC Black" panose="020B0A00000000000000" pitchFamily="34" charset="-122"/>
+                <a:hlinkClick r:id="rId3"/>
+              </a:rPr>
               <a:t>hwdong</a:t>
             </a:r>
-            <a:endParaRPr lang="en-US" altLang="zh-CN" dirty="0"/>
-          </a:p>
-          <a:p>
-            <a:endParaRPr lang="zh-CN" altLang="en-US" dirty="0"/>
+            <a:endParaRPr lang="en-US" altLang="zh-CN" sz="2800" dirty="0">
+              <a:solidFill>
+                <a:srgbClr val="0070C0"/>
+              </a:solidFill>
+              <a:latin typeface="Noto Sans SC Black" panose="020B0A00000000000000" pitchFamily="34" charset="-122"/>
+              <a:ea typeface="Noto Sans SC Black" panose="020B0A00000000000000" pitchFamily="34" charset="-122"/>
+            </a:endParaRPr>
+          </a:p>
+          <a:p>
+            <a:pPr>
+              <a:lnSpc>
+                <a:spcPct val="130000"/>
+              </a:lnSpc>
+            </a:pPr>
+            <a:r>
+              <a:rPr lang="zh-CN" altLang="en-US" sz="2800" dirty="0">
+                <a:latin typeface="Noto Sans SC Black" panose="020B0A00000000000000" pitchFamily="34" charset="-122"/>
+                <a:ea typeface="Noto Sans SC Black" panose="020B0A00000000000000" pitchFamily="34" charset="-122"/>
+              </a:rPr>
+              <a:t>博客： </a:t>
+            </a:r>
+            <a:r>
+              <a:rPr lang="en-US" altLang="zh-CN" sz="2800" dirty="0">
+                <a:solidFill>
+                  <a:srgbClr val="FF0000"/>
+                </a:solidFill>
+                <a:latin typeface="Noto Sans SC Black" panose="020B0A00000000000000" pitchFamily="34" charset="-122"/>
+                <a:ea typeface="Noto Sans SC Black" panose="020B0A00000000000000" pitchFamily="34" charset="-122"/>
+                <a:hlinkClick r:id="rId4" action="ppaction://hlinkfile"/>
+              </a:rPr>
+              <a:t>hwdong-net.github.io</a:t>
+            </a:r>
+            <a:endParaRPr lang="zh-CN" altLang="en-US" sz="2800" dirty="0">
+              <a:solidFill>
+                <a:srgbClr val="FF0000"/>
+              </a:solidFill>
+              <a:latin typeface="Noto Sans SC Black" panose="020B0A00000000000000" pitchFamily="34" charset="-122"/>
+              <a:ea typeface="Noto Sans SC Black" panose="020B0A00000000000000" pitchFamily="34" charset="-122"/>
+            </a:endParaRPr>
           </a:p>
         </p:txBody>
       </p:sp>
@@ -6942,6 +7007,126 @@
             <a:pPr algn="l"/>
             <a:r>
               <a:rPr lang="zh-CN" altLang="en-US" sz="3600" dirty="0"/>
+              <a:t> 赋值运算符：</a:t>
+            </a:r>
+            <a:r>
+              <a:rPr lang="en-US" altLang="zh-CN" sz="3600" dirty="0">
+                <a:solidFill>
+                  <a:srgbClr val="0070C0"/>
+                </a:solidFill>
+              </a:rPr>
+              <a:t>=</a:t>
+            </a:r>
+            <a:endParaRPr lang="zh-CN" altLang="en-US" sz="3600" dirty="0">
+              <a:solidFill>
+                <a:srgbClr val="0070C0"/>
+              </a:solidFill>
+            </a:endParaRPr>
+          </a:p>
+        </p:txBody>
+      </p:sp>
+      <p:sp>
+        <p:nvSpPr>
+          <p:cNvPr id="2" name="文本框 1">
+            <a:extLst>
+              <a:ext uri="{FF2B5EF4-FFF2-40B4-BE49-F238E27FC236}">
+                <a16:creationId xmlns:a16="http://schemas.microsoft.com/office/drawing/2014/main" id="{EF0FE712-044F-25BB-2B45-20C557975FC2}"/>
+              </a:ext>
+            </a:extLst>
+          </p:cNvPr>
+          <p:cNvSpPr txBox="1"/>
+          <p:nvPr/>
+        </p:nvSpPr>
+        <p:spPr>
+          <a:xfrm>
+            <a:off x="1095883" y="1169563"/>
+            <a:ext cx="7552525" cy="523220"/>
+          </a:xfrm>
+          <a:prstGeom prst="rect">
+            <a:avLst/>
+          </a:prstGeom>
+          <a:noFill/>
+        </p:spPr>
+        <p:txBody>
+          <a:bodyPr wrap="square" rtlCol="0">
+            <a:spAutoFit/>
+          </a:bodyPr>
+          <a:lstStyle/>
+          <a:p>
+            <a:r>
+              <a:rPr lang="zh-CN" altLang="en-US" sz="2800" dirty="0"/>
+              <a:t>给变量赋值，即将数据存储到变量对应内存中</a:t>
+            </a:r>
+          </a:p>
+        </p:txBody>
+      </p:sp>
+    </p:spTree>
+    <p:extLst>
+      <p:ext uri="{BB962C8B-B14F-4D97-AF65-F5344CB8AC3E}">
+        <p14:creationId xmlns:p14="http://schemas.microsoft.com/office/powerpoint/2010/main" val="1021645230"/>
+      </p:ext>
+    </p:extLst>
+  </p:cSld>
+  <p:clrMapOvr>
+    <a:masterClrMapping/>
+  </p:clrMapOvr>
+</p:sld>
+</file>
+
+<file path=ppt/slides/slide21.xml><?xml version="1.0" encoding="utf-8"?>
+<p:sld xmlns:a="http://schemas.openxmlformats.org/drawingml/2006/main" xmlns:r="http://schemas.openxmlformats.org/officeDocument/2006/relationships" xmlns:p="http://schemas.openxmlformats.org/presentationml/2006/main">
+  <p:cSld>
+    <p:spTree>
+      <p:nvGrpSpPr>
+        <p:cNvPr id="1" name="">
+          <a:extLst>
+            <a:ext uri="{FF2B5EF4-FFF2-40B4-BE49-F238E27FC236}">
+              <a16:creationId xmlns:a16="http://schemas.microsoft.com/office/drawing/2014/main" id="{F5BF5CBE-BFA7-F3D0-956B-C6EC4946EB20}"/>
+            </a:ext>
+          </a:extLst>
+        </p:cNvPr>
+        <p:cNvGrpSpPr/>
+        <p:nvPr/>
+      </p:nvGrpSpPr>
+      <p:grpSpPr>
+        <a:xfrm>
+          <a:off x="0" y="0"/>
+          <a:ext cx="0" cy="0"/>
+          <a:chOff x="0" y="0"/>
+          <a:chExt cx="0" cy="0"/>
+        </a:xfrm>
+      </p:grpSpPr>
+      <p:sp>
+        <p:nvSpPr>
+          <p:cNvPr id="6" name="标题 1">
+            <a:extLst>
+              <a:ext uri="{FF2B5EF4-FFF2-40B4-BE49-F238E27FC236}">
+                <a16:creationId xmlns:a16="http://schemas.microsoft.com/office/drawing/2014/main" id="{70983423-3D3D-17A9-B30E-3C685DEFEAE7}"/>
+              </a:ext>
+            </a:extLst>
+          </p:cNvPr>
+          <p:cNvSpPr>
+            <a:spLocks noGrp="1"/>
+          </p:cNvSpPr>
+          <p:nvPr>
+            <p:ph type="title"/>
+          </p:nvPr>
+        </p:nvSpPr>
+        <p:spPr>
+          <a:xfrm>
+            <a:off x="752475" y="269876"/>
+            <a:ext cx="10515600" cy="596899"/>
+          </a:xfrm>
+        </p:spPr>
+        <p:txBody>
+          <a:bodyPr>
+            <a:normAutofit/>
+          </a:bodyPr>
+          <a:lstStyle/>
+          <a:p>
+            <a:pPr algn="l"/>
+            <a:r>
+              <a:rPr lang="zh-CN" altLang="en-US" sz="3600" dirty="0"/>
               <a:t> 算术运算</a:t>
             </a:r>
           </a:p>
@@ -6949,7 +7134,13 @@
       </p:sp>
       <p:pic>
         <p:nvPicPr>
-          <p:cNvPr id="6146" name="Picture 2"/>
+          <p:cNvPr id="6146" name="Picture 2">
+            <a:extLst>
+              <a:ext uri="{FF2B5EF4-FFF2-40B4-BE49-F238E27FC236}">
+                <a16:creationId xmlns:a16="http://schemas.microsoft.com/office/drawing/2014/main" id="{378A01FF-7DB2-4190-EFE5-BBA873D36918}"/>
+              </a:ext>
+            </a:extLst>
+          </p:cNvPr>
           <p:cNvPicPr>
             <a:picLocks noChangeAspect="1" noChangeArrowheads="1"/>
           </p:cNvPicPr>
@@ -7014,7 +7205,7 @@
     </p:spTree>
     <p:extLst>
       <p:ext uri="{BB962C8B-B14F-4D97-AF65-F5344CB8AC3E}">
-        <p14:creationId xmlns:p14="http://schemas.microsoft.com/office/powerpoint/2010/main" val="1021645230"/>
+        <p14:creationId xmlns:p14="http://schemas.microsoft.com/office/powerpoint/2010/main" val="108766139"/>
       </p:ext>
     </p:extLst>
   </p:cSld>
@@ -7024,7 +7215,7 @@
 </p:sld>
 </file>
 
-<file path=ppt/slides/slide21.xml><?xml version="1.0" encoding="utf-8"?>
+<file path=ppt/slides/slide22.xml><?xml version="1.0" encoding="utf-8"?>
 <p:sld xmlns:a="http://schemas.openxmlformats.org/drawingml/2006/main" xmlns:r="http://schemas.openxmlformats.org/officeDocument/2006/relationships" xmlns:p="http://schemas.openxmlformats.org/presentationml/2006/main">
   <p:cSld>
     <p:spTree>
@@ -7148,7 +7339,7 @@
 </p:sld>
 </file>
 
-<file path=ppt/slides/slide22.xml><?xml version="1.0" encoding="utf-8"?>
+<file path=ppt/slides/slide23.xml><?xml version="1.0" encoding="utf-8"?>
 <p:sld xmlns:a="http://schemas.openxmlformats.org/drawingml/2006/main" xmlns:r="http://schemas.openxmlformats.org/officeDocument/2006/relationships" xmlns:p="http://schemas.openxmlformats.org/presentationml/2006/main">
   <p:cSld>
     <p:spTree>
@@ -7178,7 +7369,7 @@
         <p:spPr>
           <a:xfrm>
             <a:off x="752475" y="269876"/>
-            <a:ext cx="10515600" cy="596899"/>
+            <a:ext cx="10515600" cy="763187"/>
           </a:xfrm>
         </p:spPr>
         <p:txBody>
@@ -7272,7 +7463,7 @@
 </p:sld>
 </file>
 
-<file path=ppt/slides/slide23.xml><?xml version="1.0" encoding="utf-8"?>
+<file path=ppt/slides/slide24.xml><?xml version="1.0" encoding="utf-8"?>
 <p:sld xmlns:a="http://schemas.openxmlformats.org/drawingml/2006/main" xmlns:r="http://schemas.openxmlformats.org/officeDocument/2006/relationships" xmlns:p="http://schemas.openxmlformats.org/presentationml/2006/main">
   <p:cSld>
     <p:spTree>
@@ -7396,7 +7587,7 @@
             </a:r>
             <a:r>
               <a:rPr lang="zh-CN" altLang="en-US" dirty="0"/>
-              <a:t>，可用 输出运算符</a:t>
+              <a:t>，可用 输入运算符</a:t>
             </a:r>
             <a:r>
               <a:rPr lang="en-US" altLang="zh-CN" dirty="0"/>
@@ -8140,7 +8331,7 @@
 </p:sld>
 </file>
 
-<file path=ppt/slides/slide24.xml><?xml version="1.0" encoding="utf-8"?>
+<file path=ppt/slides/slide25.xml><?xml version="1.0" encoding="utf-8"?>
 <p:sld xmlns:a="http://schemas.openxmlformats.org/drawingml/2006/main" xmlns:r="http://schemas.openxmlformats.org/officeDocument/2006/relationships" xmlns:p="http://schemas.openxmlformats.org/presentationml/2006/main">
   <p:cSld>
     <p:spTree>
@@ -8230,7 +8421,7 @@
 </p:sld>
 </file>
 
-<file path=ppt/slides/slide25.xml><?xml version="1.0" encoding="utf-8"?>
+<file path=ppt/slides/slide26.xml><?xml version="1.0" encoding="utf-8"?>
 <p:sld xmlns:a="http://schemas.openxmlformats.org/drawingml/2006/main" xmlns:r="http://schemas.openxmlformats.org/officeDocument/2006/relationships" xmlns:p="http://schemas.openxmlformats.org/presentationml/2006/main">
   <p:cSld>
     <p:spTree>
@@ -8612,7 +8803,7 @@
 </p:sld>
 </file>
 
-<file path=ppt/slides/slide26.xml><?xml version="1.0" encoding="utf-8"?>
+<file path=ppt/slides/slide27.xml><?xml version="1.0" encoding="utf-8"?>
 <p:sld xmlns:a="http://schemas.openxmlformats.org/drawingml/2006/main" xmlns:r="http://schemas.openxmlformats.org/officeDocument/2006/relationships" xmlns:p="http://schemas.openxmlformats.org/presentationml/2006/main">
   <p:cSld>
     <p:spTree>
@@ -8777,7 +8968,7 @@
 </p:sld>
 </file>
 
-<file path=ppt/slides/slide27.xml><?xml version="1.0" encoding="utf-8"?>
+<file path=ppt/slides/slide28.xml><?xml version="1.0" encoding="utf-8"?>
 <p:sld xmlns:a="http://schemas.openxmlformats.org/drawingml/2006/main" xmlns:r="http://schemas.openxmlformats.org/officeDocument/2006/relationships" xmlns:p="http://schemas.openxmlformats.org/presentationml/2006/main">
   <p:cSld>
     <p:spTree>
@@ -8994,7 +9185,7 @@
 </p:sld>
 </file>
 
-<file path=ppt/slides/slide28.xml><?xml version="1.0" encoding="utf-8"?>
+<file path=ppt/slides/slide29.xml><?xml version="1.0" encoding="utf-8"?>
 <p:sld xmlns:a="http://schemas.openxmlformats.org/drawingml/2006/main" xmlns:r="http://schemas.openxmlformats.org/officeDocument/2006/relationships" xmlns:p="http://schemas.openxmlformats.org/presentationml/2006/main">
   <p:cSld>
     <p:spTree>
@@ -9386,7 +9577,7 @@
 </p:sld>
 </file>
 
-<file path=ppt/slides/slide29.xml><?xml version="1.0" encoding="utf-8"?>
+<file path=ppt/slides/slide3.xml><?xml version="1.0" encoding="utf-8"?>
 <p:sld xmlns:a="http://schemas.openxmlformats.org/drawingml/2006/main" xmlns:r="http://schemas.openxmlformats.org/officeDocument/2006/relationships" xmlns:p="http://schemas.openxmlformats.org/presentationml/2006/main">
   <p:cSld>
     <p:spTree>
@@ -9405,6 +9596,177 @@
       </p:grpSpPr>
       <p:sp>
         <p:nvSpPr>
+          <p:cNvPr id="2" name="标题 1">
+            <a:extLst>
+              <a:ext uri="{FF2B5EF4-FFF2-40B4-BE49-F238E27FC236}">
+                <a16:creationId xmlns:a16="http://schemas.microsoft.com/office/drawing/2014/main" id="{A258137B-55C7-409C-B373-8A1DBEFEE020}"/>
+              </a:ext>
+            </a:extLst>
+          </p:cNvPr>
+          <p:cNvSpPr>
+            <a:spLocks noGrp="1"/>
+          </p:cNvSpPr>
+          <p:nvPr>
+            <p:ph type="title"/>
+          </p:nvPr>
+        </p:nvSpPr>
+        <p:spPr/>
+        <p:txBody>
+          <a:bodyPr/>
+          <a:lstStyle/>
+          <a:p>
+            <a:r>
+              <a:rPr lang="zh-CN" altLang="en-US" dirty="0"/>
+              <a:t>函数</a:t>
+            </a:r>
+          </a:p>
+        </p:txBody>
+      </p:sp>
+      <p:sp>
+        <p:nvSpPr>
+          <p:cNvPr id="3" name="内容占位符 2">
+            <a:extLst>
+              <a:ext uri="{FF2B5EF4-FFF2-40B4-BE49-F238E27FC236}">
+                <a16:creationId xmlns:a16="http://schemas.microsoft.com/office/drawing/2014/main" id="{608299E5-6180-494F-95AF-D03638C2EB49}"/>
+              </a:ext>
+            </a:extLst>
+          </p:cNvPr>
+          <p:cNvSpPr>
+            <a:spLocks noGrp="1"/>
+          </p:cNvSpPr>
+          <p:nvPr>
+            <p:ph idx="1"/>
+          </p:nvPr>
+        </p:nvSpPr>
+        <p:spPr/>
+        <p:txBody>
+          <a:bodyPr/>
+          <a:lstStyle/>
+          <a:p>
+            <a:r>
+              <a:rPr lang="en-US" altLang="zh-CN" dirty="0"/>
+              <a:t>C++</a:t>
+            </a:r>
+            <a:r>
+              <a:rPr lang="zh-CN" altLang="zh-CN" dirty="0"/>
+              <a:t>程序是由一些</a:t>
+            </a:r>
+            <a:r>
+              <a:rPr lang="zh-CN" altLang="zh-CN" b="1" dirty="0"/>
+              <a:t>函数</a:t>
+            </a:r>
+            <a:r>
+              <a:rPr lang="zh-CN" altLang="zh-CN" dirty="0"/>
+              <a:t>构成的，每个</a:t>
+            </a:r>
+            <a:r>
+              <a:rPr lang="en-US" altLang="zh-CN" dirty="0"/>
+              <a:t>C++</a:t>
+            </a:r>
+            <a:r>
+              <a:rPr lang="zh-CN" altLang="zh-CN" dirty="0"/>
+              <a:t>程序都执行唯一的叫作</a:t>
+            </a:r>
+            <a:r>
+              <a:rPr lang="en-US" altLang="zh-CN" dirty="0"/>
+              <a:t>main</a:t>
+            </a:r>
+            <a:r>
+              <a:rPr lang="zh-CN" altLang="zh-CN" dirty="0"/>
+              <a:t>的</a:t>
+            </a:r>
+            <a:r>
+              <a:rPr lang="zh-CN" altLang="zh-CN" b="1" dirty="0"/>
+              <a:t>主函数</a:t>
+            </a:r>
+            <a:r>
+              <a:rPr lang="zh-CN" altLang="zh-CN" dirty="0"/>
+              <a:t>。</a:t>
+            </a:r>
+            <a:endParaRPr lang="zh-CN" altLang="en-US" dirty="0"/>
+          </a:p>
+        </p:txBody>
+      </p:sp>
+      <p:sp>
+        <p:nvSpPr>
+          <p:cNvPr id="4" name="文本框 3">
+            <a:extLst>
+              <a:ext uri="{FF2B5EF4-FFF2-40B4-BE49-F238E27FC236}">
+                <a16:creationId xmlns:a16="http://schemas.microsoft.com/office/drawing/2014/main" id="{9EA34559-C8DA-40CA-84B2-8D2114B95C4D}"/>
+              </a:ext>
+            </a:extLst>
+          </p:cNvPr>
+          <p:cNvSpPr txBox="1"/>
+          <p:nvPr/>
+        </p:nvSpPr>
+        <p:spPr>
+          <a:xfrm>
+            <a:off x="7178349" y="2925073"/>
+            <a:ext cx="4699520" cy="1384995"/>
+          </a:xfrm>
+          <a:prstGeom prst="rect">
+            <a:avLst/>
+          </a:prstGeom>
+          <a:noFill/>
+        </p:spPr>
+        <p:txBody>
+          <a:bodyPr wrap="square" rtlCol="0">
+            <a:spAutoFit/>
+          </a:bodyPr>
+          <a:lstStyle/>
+          <a:p>
+            <a:r>
+              <a:rPr lang="en-US" altLang="zh-CN" sz="2800" dirty="0"/>
+              <a:t>main()</a:t>
+            </a:r>
+          </a:p>
+          <a:p>
+            <a:r>
+              <a:rPr lang="en-US" altLang="zh-CN" sz="2800" dirty="0"/>
+              <a:t>{</a:t>
+            </a:r>
+          </a:p>
+          <a:p>
+            <a:r>
+              <a:rPr lang="en-US" altLang="zh-CN" sz="2800" dirty="0"/>
+              <a:t>}</a:t>
+            </a:r>
+            <a:endParaRPr lang="zh-CN" altLang="en-US" sz="2800" dirty="0"/>
+          </a:p>
+        </p:txBody>
+      </p:sp>
+    </p:spTree>
+    <p:extLst>
+      <p:ext uri="{BB962C8B-B14F-4D97-AF65-F5344CB8AC3E}">
+        <p14:creationId xmlns:p14="http://schemas.microsoft.com/office/powerpoint/2010/main" val="4044606516"/>
+      </p:ext>
+    </p:extLst>
+  </p:cSld>
+  <p:clrMapOvr>
+    <a:masterClrMapping/>
+  </p:clrMapOvr>
+</p:sld>
+</file>
+
+<file path=ppt/slides/slide30.xml><?xml version="1.0" encoding="utf-8"?>
+<p:sld xmlns:a="http://schemas.openxmlformats.org/drawingml/2006/main" xmlns:r="http://schemas.openxmlformats.org/officeDocument/2006/relationships" xmlns:p="http://schemas.openxmlformats.org/presentationml/2006/main">
+  <p:cSld>
+    <p:spTree>
+      <p:nvGrpSpPr>
+        <p:cNvPr id="1" name=""/>
+        <p:cNvGrpSpPr/>
+        <p:nvPr/>
+      </p:nvGrpSpPr>
+      <p:grpSpPr>
+        <a:xfrm>
+          <a:off x="0" y="0"/>
+          <a:ext cx="0" cy="0"/>
+          <a:chOff x="0" y="0"/>
+          <a:chExt cx="0" cy="0"/>
+        </a:xfrm>
+      </p:grpSpPr>
+      <p:sp>
+        <p:nvSpPr>
           <p:cNvPr id="2" name="标题 1"/>
           <p:cNvSpPr>
             <a:spLocks noGrp="1"/>
@@ -9452,7 +9814,7 @@
           <a:p>
             <a:r>
               <a:rPr lang="zh-CN" altLang="en-US" dirty="0"/>
-              <a:t>函数定义时可以有参数，调用时也提供对象的数据</a:t>
+              <a:t>函数定义时可以有参数，调用时要提供对应的数据</a:t>
             </a:r>
           </a:p>
         </p:txBody>
@@ -9805,178 +10167,7 @@
 </p:sld>
 </file>
 
-<file path=ppt/slides/slide3.xml><?xml version="1.0" encoding="utf-8"?>
-<p:sld xmlns:a="http://schemas.openxmlformats.org/drawingml/2006/main" xmlns:r="http://schemas.openxmlformats.org/officeDocument/2006/relationships" xmlns:p="http://schemas.openxmlformats.org/presentationml/2006/main">
-  <p:cSld>
-    <p:spTree>
-      <p:nvGrpSpPr>
-        <p:cNvPr id="1" name=""/>
-        <p:cNvGrpSpPr/>
-        <p:nvPr/>
-      </p:nvGrpSpPr>
-      <p:grpSpPr>
-        <a:xfrm>
-          <a:off x="0" y="0"/>
-          <a:ext cx="0" cy="0"/>
-          <a:chOff x="0" y="0"/>
-          <a:chExt cx="0" cy="0"/>
-        </a:xfrm>
-      </p:grpSpPr>
-      <p:sp>
-        <p:nvSpPr>
-          <p:cNvPr id="2" name="标题 1">
-            <a:extLst>
-              <a:ext uri="{FF2B5EF4-FFF2-40B4-BE49-F238E27FC236}">
-                <a16:creationId xmlns:a16="http://schemas.microsoft.com/office/drawing/2014/main" id="{A258137B-55C7-409C-B373-8A1DBEFEE020}"/>
-              </a:ext>
-            </a:extLst>
-          </p:cNvPr>
-          <p:cNvSpPr>
-            <a:spLocks noGrp="1"/>
-          </p:cNvSpPr>
-          <p:nvPr>
-            <p:ph type="title"/>
-          </p:nvPr>
-        </p:nvSpPr>
-        <p:spPr/>
-        <p:txBody>
-          <a:bodyPr/>
-          <a:lstStyle/>
-          <a:p>
-            <a:r>
-              <a:rPr lang="zh-CN" altLang="en-US" dirty="0"/>
-              <a:t>函数</a:t>
-            </a:r>
-          </a:p>
-        </p:txBody>
-      </p:sp>
-      <p:sp>
-        <p:nvSpPr>
-          <p:cNvPr id="3" name="内容占位符 2">
-            <a:extLst>
-              <a:ext uri="{FF2B5EF4-FFF2-40B4-BE49-F238E27FC236}">
-                <a16:creationId xmlns:a16="http://schemas.microsoft.com/office/drawing/2014/main" id="{608299E5-6180-494F-95AF-D03638C2EB49}"/>
-              </a:ext>
-            </a:extLst>
-          </p:cNvPr>
-          <p:cNvSpPr>
-            <a:spLocks noGrp="1"/>
-          </p:cNvSpPr>
-          <p:nvPr>
-            <p:ph idx="1"/>
-          </p:nvPr>
-        </p:nvSpPr>
-        <p:spPr/>
-        <p:txBody>
-          <a:bodyPr/>
-          <a:lstStyle/>
-          <a:p>
-            <a:r>
-              <a:rPr lang="en-US" altLang="zh-CN" dirty="0"/>
-              <a:t>C++</a:t>
-            </a:r>
-            <a:r>
-              <a:rPr lang="zh-CN" altLang="zh-CN" dirty="0"/>
-              <a:t>程序是由一些</a:t>
-            </a:r>
-            <a:r>
-              <a:rPr lang="zh-CN" altLang="zh-CN" b="1" dirty="0"/>
-              <a:t>函数</a:t>
-            </a:r>
-            <a:r>
-              <a:rPr lang="zh-CN" altLang="zh-CN" dirty="0"/>
-              <a:t>构成的，每个</a:t>
-            </a:r>
-            <a:r>
-              <a:rPr lang="en-US" altLang="zh-CN" dirty="0"/>
-              <a:t>C++</a:t>
-            </a:r>
-            <a:r>
-              <a:rPr lang="zh-CN" altLang="zh-CN" dirty="0"/>
-              <a:t>程序都执行唯一的叫作</a:t>
-            </a:r>
-            <a:r>
-              <a:rPr lang="en-US" altLang="zh-CN" dirty="0"/>
-              <a:t>main</a:t>
-            </a:r>
-            <a:r>
-              <a:rPr lang="zh-CN" altLang="zh-CN" dirty="0"/>
-              <a:t>的</a:t>
-            </a:r>
-            <a:r>
-              <a:rPr lang="zh-CN" altLang="zh-CN" b="1" dirty="0"/>
-              <a:t>主函数</a:t>
-            </a:r>
-            <a:r>
-              <a:rPr lang="zh-CN" altLang="zh-CN" dirty="0"/>
-              <a:t>。</a:t>
-            </a:r>
-            <a:endParaRPr lang="zh-CN" altLang="en-US" dirty="0"/>
-          </a:p>
-        </p:txBody>
-      </p:sp>
-      <p:sp>
-        <p:nvSpPr>
-          <p:cNvPr id="4" name="文本框 3">
-            <a:extLst>
-              <a:ext uri="{FF2B5EF4-FFF2-40B4-BE49-F238E27FC236}">
-                <a16:creationId xmlns:a16="http://schemas.microsoft.com/office/drawing/2014/main" id="{9EA34559-C8DA-40CA-84B2-8D2114B95C4D}"/>
-              </a:ext>
-            </a:extLst>
-          </p:cNvPr>
-          <p:cNvSpPr txBox="1"/>
-          <p:nvPr/>
-        </p:nvSpPr>
-        <p:spPr>
-          <a:xfrm>
-            <a:off x="7178349" y="2925073"/>
-            <a:ext cx="4699520" cy="1384995"/>
-          </a:xfrm>
-          <a:prstGeom prst="rect">
-            <a:avLst/>
-          </a:prstGeom>
-          <a:noFill/>
-        </p:spPr>
-        <p:txBody>
-          <a:bodyPr wrap="square" rtlCol="0">
-            <a:spAutoFit/>
-          </a:bodyPr>
-          <a:lstStyle/>
-          <a:p>
-            <a:r>
-              <a:rPr lang="en-US" altLang="zh-CN" sz="2800" dirty="0"/>
-              <a:t>main()</a:t>
-            </a:r>
-          </a:p>
-          <a:p>
-            <a:r>
-              <a:rPr lang="en-US" altLang="zh-CN" sz="2800" dirty="0"/>
-              <a:t>{</a:t>
-            </a:r>
-          </a:p>
-          <a:p>
-            <a:r>
-              <a:rPr lang="en-US" altLang="zh-CN" sz="2800" dirty="0"/>
-              <a:t>}</a:t>
-            </a:r>
-            <a:endParaRPr lang="zh-CN" altLang="en-US" sz="2800" dirty="0"/>
-          </a:p>
-        </p:txBody>
-      </p:sp>
-    </p:spTree>
-    <p:extLst>
-      <p:ext uri="{BB962C8B-B14F-4D97-AF65-F5344CB8AC3E}">
-        <p14:creationId xmlns:p14="http://schemas.microsoft.com/office/powerpoint/2010/main" val="4044606516"/>
-      </p:ext>
-    </p:extLst>
-  </p:cSld>
-  <p:clrMapOvr>
-    <a:masterClrMapping/>
-  </p:clrMapOvr>
-</p:sld>
-</file>
-
-<file path=ppt/slides/slide30.xml><?xml version="1.0" encoding="utf-8"?>
+<file path=ppt/slides/slide31.xml><?xml version="1.0" encoding="utf-8"?>
 <p:sld xmlns:a="http://schemas.openxmlformats.org/drawingml/2006/main" xmlns:r="http://schemas.openxmlformats.org/officeDocument/2006/relationships" xmlns:p="http://schemas.openxmlformats.org/presentationml/2006/main">
   <p:cSld>
     <p:spTree>
@@ -10101,7 +10292,7 @@
 </p:sld>
 </file>
 
-<file path=ppt/slides/slide31.xml><?xml version="1.0" encoding="utf-8"?>
+<file path=ppt/slides/slide32.xml><?xml version="1.0" encoding="utf-8"?>
 <p:sld xmlns:a="http://schemas.openxmlformats.org/drawingml/2006/main" xmlns:r="http://schemas.openxmlformats.org/officeDocument/2006/relationships" xmlns:p="http://schemas.openxmlformats.org/presentationml/2006/main">
   <p:cSld>
     <p:spTree>
@@ -10162,7 +10353,9 @@
           </a:xfrm>
         </p:spPr>
         <p:txBody>
-          <a:bodyPr/>
+          <a:bodyPr>
+            <a:normAutofit/>
+          </a:bodyPr>
           <a:lstStyle/>
           <a:p>
             <a:r>
@@ -10235,7 +10428,19 @@
             </a:r>
             <a:r>
               <a:rPr lang="zh-CN" altLang="en-US" dirty="0"/>
-              <a:t>”等起名字</a:t>
+              <a:t>”</a:t>
+            </a:r>
+            <a:r>
+              <a:rPr lang="zh-CN" altLang="en-US" dirty="0">
+                <a:solidFill>
+                  <a:srgbClr val="0070C0"/>
+                </a:solidFill>
+              </a:rPr>
+              <a:t> </a:t>
+            </a:r>
+            <a:r>
+              <a:rPr lang="zh-CN" altLang="en-US" dirty="0"/>
+              <a:t>等起名字</a:t>
             </a:r>
             <a:endParaRPr lang="en-US" altLang="zh-CN" dirty="0"/>
           </a:p>
@@ -10979,7 +11184,7 @@
 </p:sld>
 </file>
 
-<file path=ppt/slides/slide32.xml><?xml version="1.0" encoding="utf-8"?>
+<file path=ppt/slides/slide33.xml><?xml version="1.0" encoding="utf-8"?>
 <p:sld xmlns:a="http://schemas.openxmlformats.org/drawingml/2006/main" xmlns:r="http://schemas.openxmlformats.org/officeDocument/2006/relationships" xmlns:p="http://schemas.openxmlformats.org/presentationml/2006/main">
   <p:cSld>
     <p:spTree>
@@ -11103,7 +11308,7 @@
 </p:sld>
 </file>
 
-<file path=ppt/slides/slide33.xml><?xml version="1.0" encoding="utf-8"?>
+<file path=ppt/slides/slide34.xml><?xml version="1.0" encoding="utf-8"?>
 <p:sld xmlns:a="http://schemas.openxmlformats.org/drawingml/2006/main" xmlns:r="http://schemas.openxmlformats.org/officeDocument/2006/relationships" xmlns:p="http://schemas.openxmlformats.org/presentationml/2006/main">
   <p:cSld>
     <p:spTree>
@@ -11227,7 +11432,7 @@
 </p:sld>
 </file>
 
-<file path=ppt/slides/slide34.xml><?xml version="1.0" encoding="utf-8"?>
+<file path=ppt/slides/slide35.xml><?xml version="1.0" encoding="utf-8"?>
 <p:sld xmlns:a="http://schemas.openxmlformats.org/drawingml/2006/main" xmlns:r="http://schemas.openxmlformats.org/officeDocument/2006/relationships" xmlns:p="http://schemas.openxmlformats.org/presentationml/2006/main">
   <p:cSld>
     <p:spTree>
@@ -11972,7 +12177,7 @@
 </p:sld>
 </file>
 
-<file path=ppt/slides/slide35.xml><?xml version="1.0" encoding="utf-8"?>
+<file path=ppt/slides/slide36.xml><?xml version="1.0" encoding="utf-8"?>
 <p:sld xmlns:a="http://schemas.openxmlformats.org/drawingml/2006/main" xmlns:r="http://schemas.openxmlformats.org/officeDocument/2006/relationships" xmlns:p="http://schemas.openxmlformats.org/presentationml/2006/main">
   <p:cSld>
     <p:spTree>
@@ -12295,6 +12500,58 @@
           </a:extLst>
         </p:spPr>
       </p:pic>
+      <p:sp>
+        <p:nvSpPr>
+          <p:cNvPr id="5" name="对话气泡: 矩形 4">
+            <a:extLst>
+              <a:ext uri="{FF2B5EF4-FFF2-40B4-BE49-F238E27FC236}">
+                <a16:creationId xmlns:a16="http://schemas.microsoft.com/office/drawing/2014/main" id="{FDD92501-4046-1957-ED3D-D0D352CB10ED}"/>
+              </a:ext>
+            </a:extLst>
+          </p:cNvPr>
+          <p:cNvSpPr/>
+          <p:nvPr/>
+        </p:nvSpPr>
+        <p:spPr>
+          <a:xfrm>
+            <a:off x="3977974" y="4307586"/>
+            <a:ext cx="2340988" cy="507121"/>
+          </a:xfrm>
+          <a:prstGeom prst="wedgeRectCallout">
+            <a:avLst>
+              <a:gd name="adj1" fmla="val -63981"/>
+              <a:gd name="adj2" fmla="val 34053"/>
+            </a:avLst>
+          </a:prstGeom>
+        </p:spPr>
+        <p:style>
+          <a:lnRef idx="2">
+            <a:schemeClr val="accent1">
+              <a:shade val="15000"/>
+            </a:schemeClr>
+          </a:lnRef>
+          <a:fillRef idx="1">
+            <a:schemeClr val="accent1"/>
+          </a:fillRef>
+          <a:effectRef idx="0">
+            <a:schemeClr val="accent1"/>
+          </a:effectRef>
+          <a:fontRef idx="minor">
+            <a:schemeClr val="lt1"/>
+          </a:fontRef>
+        </p:style>
+        <p:txBody>
+          <a:bodyPr rtlCol="0" anchor="ctr"/>
+          <a:lstStyle/>
+          <a:p>
+            <a:pPr algn="ctr"/>
+            <a:r>
+              <a:rPr lang="zh-CN" altLang="en-US" sz="2800" dirty="0"/>
+              <a:t>定义名字空间</a:t>
+            </a:r>
+          </a:p>
+        </p:txBody>
+      </p:sp>
     </p:spTree>
     <p:extLst>
       <p:ext uri="{BB962C8B-B14F-4D97-AF65-F5344CB8AC3E}">
@@ -12407,6 +12664,51 @@
                       </p:childTnLst>
                     </p:cTn>
                   </p:par>
+                  <p:par>
+                    <p:cTn id="11" fill="hold">
+                      <p:stCondLst>
+                        <p:cond delay="indefinite"/>
+                      </p:stCondLst>
+                      <p:childTnLst>
+                        <p:par>
+                          <p:cTn id="12" fill="hold">
+                            <p:stCondLst>
+                              <p:cond delay="0"/>
+                            </p:stCondLst>
+                            <p:childTnLst>
+                              <p:par>
+                                <p:cTn id="13" presetID="1" presetClass="entr" presetSubtype="0" fill="hold" grpId="0" nodeType="clickEffect">
+                                  <p:stCondLst>
+                                    <p:cond delay="0"/>
+                                  </p:stCondLst>
+                                  <p:childTnLst>
+                                    <p:set>
+                                      <p:cBhvr>
+                                        <p:cTn id="14" dur="1" fill="hold">
+                                          <p:stCondLst>
+                                            <p:cond delay="0"/>
+                                          </p:stCondLst>
+                                        </p:cTn>
+                                        <p:tgtEl>
+                                          <p:spTgt spid="5"/>
+                                        </p:tgtEl>
+                                        <p:attrNameLst>
+                                          <p:attrName>style.visibility</p:attrName>
+                                        </p:attrNameLst>
+                                      </p:cBhvr>
+                                      <p:to>
+                                        <p:strVal val="visible"/>
+                                      </p:to>
+                                    </p:set>
+                                  </p:childTnLst>
+                                </p:cTn>
+                              </p:par>
+                            </p:childTnLst>
+                          </p:cTn>
+                        </p:par>
+                      </p:childTnLst>
+                    </p:cTn>
+                  </p:par>
                 </p:childTnLst>
               </p:cTn>
               <p:prevCondLst>
@@ -12430,12 +12732,13 @@
     </p:tnLst>
     <p:bldLst>
       <p:bldP spid="8" grpId="0"/>
+      <p:bldP spid="5" grpId="0" animBg="1"/>
     </p:bldLst>
   </p:timing>
 </p:sld>
 </file>
 
-<file path=ppt/slides/slide36.xml><?xml version="1.0" encoding="utf-8"?>
+<file path=ppt/slides/slide37.xml><?xml version="1.0" encoding="utf-8"?>
 <p:sld xmlns:a="http://schemas.openxmlformats.org/drawingml/2006/main" xmlns:r="http://schemas.openxmlformats.org/officeDocument/2006/relationships" xmlns:p="http://schemas.openxmlformats.org/presentationml/2006/main">
   <p:cSld>
     <p:spTree>
@@ -12876,7 +13179,7 @@
 </p:sld>
 </file>
 
-<file path=ppt/slides/slide37.xml><?xml version="1.0" encoding="utf-8"?>
+<file path=ppt/slides/slide38.xml><?xml version="1.0" encoding="utf-8"?>
 <p:sld xmlns:a="http://schemas.openxmlformats.org/drawingml/2006/main" xmlns:r="http://schemas.openxmlformats.org/officeDocument/2006/relationships" xmlns:p="http://schemas.openxmlformats.org/presentationml/2006/main">
   <p:cSld>
     <p:spTree>
@@ -13128,7 +13431,7 @@
           <a:p>
             <a:r>
               <a:rPr lang="en-US" altLang="zh-CN" b="1" dirty="0"/>
-              <a:t>using</a:t>
+              <a:t>using </a:t>
             </a:r>
             <a:r>
               <a:rPr lang="zh-CN" altLang="en-US" b="1" dirty="0"/>
@@ -13294,7 +13597,7 @@
 </p:sld>
 </file>
 
-<file path=ppt/slides/slide38.xml><?xml version="1.0" encoding="utf-8"?>
+<file path=ppt/slides/slide39.xml><?xml version="1.0" encoding="utf-8"?>
 <p:sld xmlns:a="http://schemas.openxmlformats.org/drawingml/2006/main" xmlns:r="http://schemas.openxmlformats.org/officeDocument/2006/relationships" xmlns:p="http://schemas.openxmlformats.org/presentationml/2006/main">
   <p:cSld>
     <p:spTree>
@@ -13431,182 +13734,6 @@
 </p:sld>
 </file>
 
-<file path=ppt/slides/slide39.xml><?xml version="1.0" encoding="utf-8"?>
-<p:sld xmlns:a="http://schemas.openxmlformats.org/drawingml/2006/main" xmlns:r="http://schemas.openxmlformats.org/officeDocument/2006/relationships" xmlns:p="http://schemas.openxmlformats.org/presentationml/2006/main">
-  <p:cSld>
-    <p:spTree>
-      <p:nvGrpSpPr>
-        <p:cNvPr id="1" name=""/>
-        <p:cNvGrpSpPr/>
-        <p:nvPr/>
-      </p:nvGrpSpPr>
-      <p:grpSpPr>
-        <a:xfrm>
-          <a:off x="0" y="0"/>
-          <a:ext cx="0" cy="0"/>
-          <a:chOff x="0" y="0"/>
-          <a:chExt cx="0" cy="0"/>
-        </a:xfrm>
-      </p:grpSpPr>
-      <p:sp>
-        <p:nvSpPr>
-          <p:cNvPr id="2" name="标题 1">
-            <a:extLst>
-              <a:ext uri="{FF2B5EF4-FFF2-40B4-BE49-F238E27FC236}">
-                <a16:creationId xmlns:a16="http://schemas.microsoft.com/office/drawing/2014/main" id="{095030F2-F518-4D72-96A4-BDA46AE5113D}"/>
-              </a:ext>
-            </a:extLst>
-          </p:cNvPr>
-          <p:cNvSpPr>
-            <a:spLocks noGrp="1"/>
-          </p:cNvSpPr>
-          <p:nvPr>
-            <p:ph type="title"/>
-          </p:nvPr>
-        </p:nvSpPr>
-        <p:spPr/>
-        <p:txBody>
-          <a:bodyPr/>
-          <a:lstStyle/>
-          <a:p>
-            <a:r>
-              <a:rPr lang="zh-CN" altLang="en-US" dirty="0"/>
-              <a:t>控制语句：条件语句</a:t>
-            </a:r>
-          </a:p>
-        </p:txBody>
-      </p:sp>
-      <p:sp>
-        <p:nvSpPr>
-          <p:cNvPr id="3" name="内容占位符 2">
-            <a:extLst>
-              <a:ext uri="{FF2B5EF4-FFF2-40B4-BE49-F238E27FC236}">
-                <a16:creationId xmlns:a16="http://schemas.microsoft.com/office/drawing/2014/main" id="{33B7328B-D33C-4F9C-8705-EA7ACD302D9F}"/>
-              </a:ext>
-            </a:extLst>
-          </p:cNvPr>
-          <p:cNvSpPr>
-            <a:spLocks noGrp="1"/>
-          </p:cNvSpPr>
-          <p:nvPr>
-            <p:ph idx="1"/>
-          </p:nvPr>
-        </p:nvSpPr>
-        <p:spPr/>
-        <p:txBody>
-          <a:bodyPr/>
-          <a:lstStyle/>
-          <a:p>
-            <a:r>
-              <a:rPr lang="zh-CN" altLang="en-US" dirty="0"/>
-              <a:t>满足条件时就执行其程序块。</a:t>
-            </a:r>
-            <a:endParaRPr lang="en-US" altLang="zh-CN" dirty="0"/>
-          </a:p>
-          <a:p>
-            <a:r>
-              <a:rPr lang="en-US" altLang="zh-CN" dirty="0"/>
-              <a:t>if</a:t>
-            </a:r>
-            <a:r>
-              <a:rPr lang="zh-CN" altLang="en-US" dirty="0"/>
-              <a:t>条件语句：</a:t>
-            </a:r>
-            <a:endParaRPr lang="en-US" altLang="zh-CN" dirty="0"/>
-          </a:p>
-          <a:p>
-            <a:pPr marL="0" indent="0">
-              <a:buNone/>
-            </a:pPr>
-            <a:r>
-              <a:rPr lang="en-US" altLang="zh-CN" dirty="0"/>
-              <a:t>       </a:t>
-            </a:r>
-            <a:r>
-              <a:rPr lang="en-US" altLang="zh-CN" dirty="0">
-                <a:solidFill>
-                  <a:srgbClr val="0070C0"/>
-                </a:solidFill>
-              </a:rPr>
-              <a:t>if</a:t>
-            </a:r>
-            <a:r>
-              <a:rPr lang="zh-CN" altLang="en-US" dirty="0"/>
-              <a:t>（条件表达式）</a:t>
-            </a:r>
-            <a:endParaRPr lang="en-US" altLang="zh-CN" dirty="0"/>
-          </a:p>
-          <a:p>
-            <a:pPr marL="0" indent="0">
-              <a:buNone/>
-            </a:pPr>
-            <a:r>
-              <a:rPr lang="en-US" altLang="zh-CN" dirty="0"/>
-              <a:t>           </a:t>
-            </a:r>
-            <a:r>
-              <a:rPr lang="zh-CN" altLang="en-US" dirty="0"/>
-              <a:t>程序块</a:t>
-            </a:r>
-            <a:r>
-              <a:rPr lang="en-US" altLang="zh-CN" dirty="0"/>
-              <a:t>1</a:t>
-            </a:r>
-            <a:r>
-              <a:rPr lang="zh-CN" altLang="en-US" dirty="0"/>
-              <a:t>  </a:t>
-            </a:r>
-            <a:endParaRPr lang="en-US" altLang="zh-CN" dirty="0"/>
-          </a:p>
-          <a:p>
-            <a:pPr marL="0" indent="0">
-              <a:buNone/>
-            </a:pPr>
-            <a:r>
-              <a:rPr lang="en-US" altLang="zh-CN" dirty="0"/>
-              <a:t>       </a:t>
-            </a:r>
-            <a:r>
-              <a:rPr lang="en-US" altLang="zh-CN" dirty="0">
-                <a:solidFill>
-                  <a:srgbClr val="0070C0"/>
-                </a:solidFill>
-              </a:rPr>
-              <a:t>else</a:t>
-            </a:r>
-          </a:p>
-          <a:p>
-            <a:pPr marL="0" indent="0">
-              <a:buNone/>
-            </a:pPr>
-            <a:r>
-              <a:rPr lang="en-US" altLang="zh-CN" dirty="0"/>
-              <a:t>             </a:t>
-            </a:r>
-            <a:r>
-              <a:rPr lang="zh-CN" altLang="en-US" dirty="0"/>
-              <a:t>程序块</a:t>
-            </a:r>
-            <a:r>
-              <a:rPr lang="en-US" altLang="zh-CN" dirty="0"/>
-              <a:t>2</a:t>
-            </a:r>
-          </a:p>
-        </p:txBody>
-      </p:sp>
-    </p:spTree>
-    <p:extLst>
-      <p:ext uri="{BB962C8B-B14F-4D97-AF65-F5344CB8AC3E}">
-        <p14:creationId xmlns:p14="http://schemas.microsoft.com/office/powerpoint/2010/main" val="1695905802"/>
-      </p:ext>
-    </p:extLst>
-  </p:cSld>
-  <p:clrMapOvr>
-    <a:masterClrMapping/>
-  </p:clrMapOvr>
-</p:sld>
-</file>
-
 <file path=ppt/slides/slide4.xml><?xml version="1.0" encoding="utf-8"?>
 <p:sld xmlns:a="http://schemas.openxmlformats.org/drawingml/2006/main" xmlns:r="http://schemas.openxmlformats.org/officeDocument/2006/relationships" xmlns:p="http://schemas.openxmlformats.org/presentationml/2006/main">
   <p:cSld>
@@ -13760,6 +13887,182 @@
 </file>
 
 <file path=ppt/slides/slide40.xml><?xml version="1.0" encoding="utf-8"?>
+<p:sld xmlns:a="http://schemas.openxmlformats.org/drawingml/2006/main" xmlns:r="http://schemas.openxmlformats.org/officeDocument/2006/relationships" xmlns:p="http://schemas.openxmlformats.org/presentationml/2006/main">
+  <p:cSld>
+    <p:spTree>
+      <p:nvGrpSpPr>
+        <p:cNvPr id="1" name=""/>
+        <p:cNvGrpSpPr/>
+        <p:nvPr/>
+      </p:nvGrpSpPr>
+      <p:grpSpPr>
+        <a:xfrm>
+          <a:off x="0" y="0"/>
+          <a:ext cx="0" cy="0"/>
+          <a:chOff x="0" y="0"/>
+          <a:chExt cx="0" cy="0"/>
+        </a:xfrm>
+      </p:grpSpPr>
+      <p:sp>
+        <p:nvSpPr>
+          <p:cNvPr id="2" name="标题 1">
+            <a:extLst>
+              <a:ext uri="{FF2B5EF4-FFF2-40B4-BE49-F238E27FC236}">
+                <a16:creationId xmlns:a16="http://schemas.microsoft.com/office/drawing/2014/main" id="{095030F2-F518-4D72-96A4-BDA46AE5113D}"/>
+              </a:ext>
+            </a:extLst>
+          </p:cNvPr>
+          <p:cNvSpPr>
+            <a:spLocks noGrp="1"/>
+          </p:cNvSpPr>
+          <p:nvPr>
+            <p:ph type="title"/>
+          </p:nvPr>
+        </p:nvSpPr>
+        <p:spPr/>
+        <p:txBody>
+          <a:bodyPr/>
+          <a:lstStyle/>
+          <a:p>
+            <a:r>
+              <a:rPr lang="zh-CN" altLang="en-US" dirty="0"/>
+              <a:t>控制语句：条件语句</a:t>
+            </a:r>
+          </a:p>
+        </p:txBody>
+      </p:sp>
+      <p:sp>
+        <p:nvSpPr>
+          <p:cNvPr id="3" name="内容占位符 2">
+            <a:extLst>
+              <a:ext uri="{FF2B5EF4-FFF2-40B4-BE49-F238E27FC236}">
+                <a16:creationId xmlns:a16="http://schemas.microsoft.com/office/drawing/2014/main" id="{33B7328B-D33C-4F9C-8705-EA7ACD302D9F}"/>
+              </a:ext>
+            </a:extLst>
+          </p:cNvPr>
+          <p:cNvSpPr>
+            <a:spLocks noGrp="1"/>
+          </p:cNvSpPr>
+          <p:nvPr>
+            <p:ph idx="1"/>
+          </p:nvPr>
+        </p:nvSpPr>
+        <p:spPr/>
+        <p:txBody>
+          <a:bodyPr/>
+          <a:lstStyle/>
+          <a:p>
+            <a:r>
+              <a:rPr lang="zh-CN" altLang="en-US" dirty="0"/>
+              <a:t>满足条件时就执行其程序块。</a:t>
+            </a:r>
+            <a:endParaRPr lang="en-US" altLang="zh-CN" dirty="0"/>
+          </a:p>
+          <a:p>
+            <a:r>
+              <a:rPr lang="en-US" altLang="zh-CN" dirty="0"/>
+              <a:t>if</a:t>
+            </a:r>
+            <a:r>
+              <a:rPr lang="zh-CN" altLang="en-US" dirty="0"/>
+              <a:t>条件语句：</a:t>
+            </a:r>
+            <a:endParaRPr lang="en-US" altLang="zh-CN" dirty="0"/>
+          </a:p>
+          <a:p>
+            <a:pPr marL="0" indent="0">
+              <a:buNone/>
+            </a:pPr>
+            <a:r>
+              <a:rPr lang="en-US" altLang="zh-CN" dirty="0"/>
+              <a:t>       </a:t>
+            </a:r>
+            <a:r>
+              <a:rPr lang="en-US" altLang="zh-CN" dirty="0">
+                <a:solidFill>
+                  <a:srgbClr val="0070C0"/>
+                </a:solidFill>
+              </a:rPr>
+              <a:t>if</a:t>
+            </a:r>
+            <a:r>
+              <a:rPr lang="zh-CN" altLang="en-US" dirty="0"/>
+              <a:t>（条件表达式）</a:t>
+            </a:r>
+            <a:endParaRPr lang="en-US" altLang="zh-CN" dirty="0"/>
+          </a:p>
+          <a:p>
+            <a:pPr marL="0" indent="0">
+              <a:buNone/>
+            </a:pPr>
+            <a:r>
+              <a:rPr lang="en-US" altLang="zh-CN" dirty="0"/>
+              <a:t>           </a:t>
+            </a:r>
+            <a:r>
+              <a:rPr lang="zh-CN" altLang="en-US" dirty="0"/>
+              <a:t>程序块</a:t>
+            </a:r>
+            <a:r>
+              <a:rPr lang="en-US" altLang="zh-CN" dirty="0"/>
+              <a:t>1</a:t>
+            </a:r>
+            <a:r>
+              <a:rPr lang="zh-CN" altLang="en-US" dirty="0"/>
+              <a:t>  </a:t>
+            </a:r>
+            <a:endParaRPr lang="en-US" altLang="zh-CN" dirty="0"/>
+          </a:p>
+          <a:p>
+            <a:pPr marL="0" indent="0">
+              <a:buNone/>
+            </a:pPr>
+            <a:r>
+              <a:rPr lang="en-US" altLang="zh-CN" dirty="0"/>
+              <a:t>       </a:t>
+            </a:r>
+            <a:r>
+              <a:rPr lang="en-US" altLang="zh-CN" dirty="0">
+                <a:solidFill>
+                  <a:srgbClr val="0070C0"/>
+                </a:solidFill>
+              </a:rPr>
+              <a:t>else</a:t>
+            </a:r>
+          </a:p>
+          <a:p>
+            <a:pPr marL="0" indent="0">
+              <a:buNone/>
+            </a:pPr>
+            <a:r>
+              <a:rPr lang="en-US" altLang="zh-CN" dirty="0"/>
+              <a:t>             </a:t>
+            </a:r>
+            <a:r>
+              <a:rPr lang="zh-CN" altLang="en-US" dirty="0"/>
+              <a:t>程序块</a:t>
+            </a:r>
+            <a:r>
+              <a:rPr lang="en-US" altLang="zh-CN" dirty="0"/>
+              <a:t>2</a:t>
+            </a:r>
+          </a:p>
+        </p:txBody>
+      </p:sp>
+    </p:spTree>
+    <p:extLst>
+      <p:ext uri="{BB962C8B-B14F-4D97-AF65-F5344CB8AC3E}">
+        <p14:creationId xmlns:p14="http://schemas.microsoft.com/office/powerpoint/2010/main" val="1695905802"/>
+      </p:ext>
+    </p:extLst>
+  </p:cSld>
+  <p:clrMapOvr>
+    <a:masterClrMapping/>
+  </p:clrMapOvr>
+</p:sld>
+</file>
+
+<file path=ppt/slides/slide41.xml><?xml version="1.0" encoding="utf-8"?>
 <p:sld xmlns:a="http://schemas.openxmlformats.org/drawingml/2006/main" xmlns:r="http://schemas.openxmlformats.org/officeDocument/2006/relationships" xmlns:p="http://schemas.openxmlformats.org/presentationml/2006/main">
   <p:cSld>
     <p:spTree>
@@ -13877,7 +14180,7 @@
 </p:sld>
 </file>
 
-<file path=ppt/slides/slide41.xml><?xml version="1.0" encoding="utf-8"?>
+<file path=ppt/slides/slide42.xml><?xml version="1.0" encoding="utf-8"?>
 <p:sld xmlns:a="http://schemas.openxmlformats.org/drawingml/2006/main" xmlns:r="http://schemas.openxmlformats.org/officeDocument/2006/relationships" xmlns:p="http://schemas.openxmlformats.org/presentationml/2006/main">
   <p:cSld>
     <p:spTree>
@@ -14111,7 +14414,7 @@
 </p:sld>
 </file>
 
-<file path=ppt/slides/slide42.xml><?xml version="1.0" encoding="utf-8"?>
+<file path=ppt/slides/slide43.xml><?xml version="1.0" encoding="utf-8"?>
 <p:sld xmlns:a="http://schemas.openxmlformats.org/drawingml/2006/main" xmlns:r="http://schemas.openxmlformats.org/officeDocument/2006/relationships" xmlns:p="http://schemas.openxmlformats.org/presentationml/2006/main">
   <p:cSld>
     <p:spTree>
@@ -15160,397 +15463,6 @@
 </p:sld>
 </file>
 
-<file path=ppt/slides/slide43.xml><?xml version="1.0" encoding="utf-8"?>
-<p:sld xmlns:a="http://schemas.openxmlformats.org/drawingml/2006/main" xmlns:r="http://schemas.openxmlformats.org/officeDocument/2006/relationships" xmlns:p="http://schemas.openxmlformats.org/presentationml/2006/main">
-  <p:cSld>
-    <p:spTree>
-      <p:nvGrpSpPr>
-        <p:cNvPr id="1" name=""/>
-        <p:cNvGrpSpPr/>
-        <p:nvPr/>
-      </p:nvGrpSpPr>
-      <p:grpSpPr>
-        <a:xfrm>
-          <a:off x="0" y="0"/>
-          <a:ext cx="0" cy="0"/>
-          <a:chOff x="0" y="0"/>
-          <a:chExt cx="0" cy="0"/>
-        </a:xfrm>
-      </p:grpSpPr>
-      <p:sp>
-        <p:nvSpPr>
-          <p:cNvPr id="2" name="标题 1"/>
-          <p:cNvSpPr>
-            <a:spLocks noGrp="1"/>
-          </p:cNvSpPr>
-          <p:nvPr>
-            <p:ph type="title"/>
-          </p:nvPr>
-        </p:nvSpPr>
-        <p:spPr>
-          <a:xfrm>
-            <a:off x="872411" y="193675"/>
-            <a:ext cx="10515600" cy="1325563"/>
-          </a:xfrm>
-        </p:spPr>
-        <p:txBody>
-          <a:bodyPr/>
-          <a:lstStyle/>
-          <a:p>
-            <a:r>
-              <a:rPr lang="zh-CN" altLang="en-US" b="1" dirty="0"/>
-              <a:t>练习</a:t>
-            </a:r>
-          </a:p>
-        </p:txBody>
-      </p:sp>
-      <p:sp>
-        <p:nvSpPr>
-          <p:cNvPr id="3" name="内容占位符 2"/>
-          <p:cNvSpPr>
-            <a:spLocks noGrp="1"/>
-          </p:cNvSpPr>
-          <p:nvPr>
-            <p:ph idx="1"/>
-          </p:nvPr>
-        </p:nvSpPr>
-        <p:spPr>
-          <a:xfrm>
-            <a:off x="872411" y="1331849"/>
-            <a:ext cx="10515600" cy="688618"/>
-          </a:xfrm>
-        </p:spPr>
-        <p:txBody>
-          <a:bodyPr/>
-          <a:lstStyle/>
-          <a:p>
-            <a:r>
-              <a:rPr lang="zh-CN" altLang="en-US" dirty="0"/>
-              <a:t>找出程序中的错误</a:t>
-            </a:r>
-          </a:p>
-        </p:txBody>
-      </p:sp>
-      <p:sp>
-        <p:nvSpPr>
-          <p:cNvPr id="4" name="TextBox 3"/>
-          <p:cNvSpPr txBox="1"/>
-          <p:nvPr/>
-        </p:nvSpPr>
-        <p:spPr>
-          <a:xfrm>
-            <a:off x="1231640" y="1949515"/>
-            <a:ext cx="9797143" cy="4494757"/>
-          </a:xfrm>
-          <a:prstGeom prst="rect">
-            <a:avLst/>
-          </a:prstGeom>
-          <a:noFill/>
-        </p:spPr>
-        <p:txBody>
-          <a:bodyPr wrap="square" rtlCol="0">
-            <a:spAutoFit/>
-          </a:bodyPr>
-          <a:lstStyle/>
-          <a:p>
-            <a:pPr>
-              <a:lnSpc>
-                <a:spcPct val="120000"/>
-              </a:lnSpc>
-            </a:pPr>
-            <a:r>
-              <a:rPr lang="en-US" altLang="zh-CN" sz="2400" dirty="0">
-                <a:solidFill>
-                  <a:srgbClr val="0070C0"/>
-                </a:solidFill>
-              </a:rPr>
-              <a:t>#include </a:t>
-            </a:r>
-            <a:r>
-              <a:rPr lang="en-US" altLang="zh-CN" sz="2400" dirty="0"/>
-              <a:t>&lt;</a:t>
-            </a:r>
-            <a:r>
-              <a:rPr lang="en-US" altLang="zh-CN" sz="2400" dirty="0" err="1"/>
-              <a:t>iostream</a:t>
-            </a:r>
-            <a:r>
-              <a:rPr lang="en-US" altLang="zh-CN" sz="2400" dirty="0"/>
-              <a:t>&gt;</a:t>
-            </a:r>
-          </a:p>
-          <a:p>
-            <a:pPr>
-              <a:lnSpc>
-                <a:spcPct val="120000"/>
-              </a:lnSpc>
-            </a:pPr>
-            <a:r>
-              <a:rPr lang="en-US" altLang="zh-CN" sz="2400" dirty="0">
-                <a:solidFill>
-                  <a:srgbClr val="0070C0"/>
-                </a:solidFill>
-              </a:rPr>
-              <a:t>using</a:t>
-            </a:r>
-            <a:r>
-              <a:rPr lang="en-US" altLang="zh-CN" sz="2400" dirty="0"/>
-              <a:t> namespace </a:t>
-            </a:r>
-            <a:r>
-              <a:rPr lang="en-US" altLang="zh-CN" sz="2400" dirty="0" err="1"/>
-              <a:t>std</a:t>
-            </a:r>
-            <a:endParaRPr lang="en-US" altLang="zh-CN" sz="2400" dirty="0"/>
-          </a:p>
-          <a:p>
-            <a:pPr>
-              <a:lnSpc>
-                <a:spcPct val="120000"/>
-              </a:lnSpc>
-            </a:pPr>
-            <a:r>
-              <a:rPr lang="en-US" altLang="zh-CN" sz="2400" dirty="0">
-                <a:solidFill>
-                  <a:srgbClr val="0070C0"/>
-                </a:solidFill>
-              </a:rPr>
-              <a:t>void</a:t>
-            </a:r>
-            <a:r>
-              <a:rPr lang="en-US" altLang="zh-CN" sz="2400" dirty="0"/>
-              <a:t> main () {   </a:t>
-            </a:r>
-          </a:p>
-          <a:p>
-            <a:pPr>
-              <a:lnSpc>
-                <a:spcPct val="120000"/>
-              </a:lnSpc>
-            </a:pPr>
-            <a:r>
-              <a:rPr lang="en-US" altLang="zh-CN" sz="2400" dirty="0"/>
-              <a:t>   </a:t>
-            </a:r>
-            <a:r>
-              <a:rPr lang="en-US" altLang="zh-CN" sz="2400" dirty="0" err="1">
-                <a:solidFill>
-                  <a:srgbClr val="0070C0"/>
-                </a:solidFill>
-              </a:rPr>
-              <a:t>int</a:t>
-            </a:r>
-            <a:r>
-              <a:rPr lang="en-US" altLang="zh-CN" sz="2400" dirty="0"/>
-              <a:t> </a:t>
-            </a:r>
-            <a:r>
-              <a:rPr lang="en-US" altLang="zh-CN" sz="2400" dirty="0" err="1"/>
-              <a:t>FTemp</a:t>
-            </a:r>
-            <a:r>
-              <a:rPr lang="en-US" altLang="zh-CN" sz="2400" dirty="0"/>
-              <a:t> = 0   </a:t>
-            </a:r>
-          </a:p>
-          <a:p>
-            <a:pPr>
-              <a:lnSpc>
-                <a:spcPct val="120000"/>
-              </a:lnSpc>
-            </a:pPr>
-            <a:r>
-              <a:rPr lang="en-US" altLang="zh-CN" sz="2400" dirty="0"/>
-              <a:t>   </a:t>
-            </a:r>
-            <a:r>
-              <a:rPr lang="en-US" altLang="zh-CN" sz="2400" dirty="0" err="1">
-                <a:solidFill>
-                  <a:srgbClr val="0070C0"/>
-                </a:solidFill>
-              </a:rPr>
-              <a:t>int</a:t>
-            </a:r>
-            <a:r>
-              <a:rPr lang="en-US" altLang="zh-CN" sz="2400" dirty="0">
-                <a:solidFill>
-                  <a:srgbClr val="0070C0"/>
-                </a:solidFill>
-              </a:rPr>
-              <a:t> </a:t>
-            </a:r>
-            <a:r>
-              <a:rPr lang="en-US" altLang="zh-CN" sz="2400" dirty="0" err="1"/>
-              <a:t>CTemp</a:t>
-            </a:r>
-            <a:r>
-              <a:rPr lang="en-US" altLang="zh-CN" sz="2400" dirty="0"/>
-              <a:t> = 0;   </a:t>
-            </a:r>
-          </a:p>
-          <a:p>
-            <a:pPr>
-              <a:lnSpc>
-                <a:spcPct val="120000"/>
-              </a:lnSpc>
-            </a:pPr>
-            <a:r>
-              <a:rPr lang="en-US" altLang="zh-CN" sz="2400" dirty="0"/>
-              <a:t>   </a:t>
-            </a:r>
-            <a:r>
-              <a:rPr lang="en-US" altLang="zh-CN" sz="2400" dirty="0" err="1"/>
-              <a:t>cout</a:t>
-            </a:r>
-            <a:r>
-              <a:rPr lang="en-US" altLang="zh-CN" sz="2400" dirty="0"/>
-              <a:t> &gt;&gt; "Enter a </a:t>
-            </a:r>
-            <a:r>
-              <a:rPr lang="en-US" altLang="zh-CN" sz="2400" dirty="0" err="1"/>
-              <a:t>Farenheit</a:t>
-            </a:r>
-            <a:r>
-              <a:rPr lang="en-US" altLang="zh-CN" sz="2400" dirty="0"/>
-              <a:t> temperature: ";   </a:t>
-            </a:r>
-          </a:p>
-          <a:p>
-            <a:pPr>
-              <a:lnSpc>
-                <a:spcPct val="120000"/>
-              </a:lnSpc>
-            </a:pPr>
-            <a:r>
-              <a:rPr lang="en-US" altLang="zh-CN" sz="2400" dirty="0"/>
-              <a:t>   </a:t>
-            </a:r>
-            <a:r>
-              <a:rPr lang="en-US" altLang="zh-CN" sz="2400" dirty="0" err="1"/>
-              <a:t>cin</a:t>
-            </a:r>
-            <a:r>
-              <a:rPr lang="en-US" altLang="zh-CN" sz="2400" dirty="0"/>
-              <a:t> &lt;&lt; </a:t>
-            </a:r>
-            <a:r>
-              <a:rPr lang="en-US" altLang="zh-CN" sz="2400" dirty="0" err="1"/>
-              <a:t>FTemp</a:t>
-            </a:r>
-            <a:r>
-              <a:rPr lang="en-US" altLang="zh-CN" sz="2400" dirty="0"/>
-              <a:t>;   </a:t>
-            </a:r>
-            <a:r>
-              <a:rPr lang="en-US" altLang="zh-CN" sz="2400" dirty="0" err="1"/>
-              <a:t>CTemp</a:t>
-            </a:r>
-            <a:r>
-              <a:rPr lang="en-US" altLang="zh-CN" sz="2400" dirty="0"/>
-              <a:t> = </a:t>
-            </a:r>
-            <a:r>
-              <a:rPr lang="en-US" altLang="zh-CN" sz="2400" dirty="0" err="1"/>
-              <a:t>FTemp</a:t>
-            </a:r>
-            <a:r>
-              <a:rPr lang="en-US" altLang="zh-CN" sz="2400" dirty="0"/>
-              <a:t> - 32 / (9/5);   </a:t>
-            </a:r>
-          </a:p>
-          <a:p>
-            <a:pPr>
-              <a:lnSpc>
-                <a:spcPct val="120000"/>
-              </a:lnSpc>
-            </a:pPr>
-            <a:r>
-              <a:rPr lang="en-US" altLang="zh-CN" sz="2400" dirty="0"/>
-              <a:t>   </a:t>
-            </a:r>
-            <a:r>
-              <a:rPr lang="en-US" altLang="zh-CN" sz="2400" dirty="0" err="1"/>
-              <a:t>cout</a:t>
-            </a:r>
-            <a:r>
-              <a:rPr lang="en-US" altLang="zh-CN" sz="2400" dirty="0"/>
-              <a:t> &gt;&gt; "\n &lt;&lt;</a:t>
-            </a:r>
-            <a:r>
-              <a:rPr lang="en-US" altLang="zh-CN" sz="2400" dirty="0" err="1"/>
-              <a:t>FTemp</a:t>
-            </a:r>
-            <a:r>
-              <a:rPr lang="en-US" altLang="zh-CN" sz="2400" dirty="0"/>
-              <a:t> &gt;&gt; " in </a:t>
-            </a:r>
-            <a:r>
-              <a:rPr lang="en-US" altLang="zh-CN" sz="2400" dirty="0" err="1"/>
-              <a:t>Farenheit</a:t>
-            </a:r>
-            <a:r>
-              <a:rPr lang="en-US" altLang="zh-CN" sz="2400" dirty="0"/>
-              <a:t> = "  &gt;&gt; </a:t>
-            </a:r>
-            <a:r>
-              <a:rPr lang="en-US" altLang="zh-CN" sz="2400" dirty="0" err="1"/>
-              <a:t>CTemp</a:t>
-            </a:r>
-            <a:r>
-              <a:rPr lang="en-US" altLang="zh-CN" sz="2400" dirty="0"/>
-              <a:t> &gt;&gt; in Celsius\n";   </a:t>
-            </a:r>
-          </a:p>
-          <a:p>
-            <a:pPr>
-              <a:lnSpc>
-                <a:spcPct val="120000"/>
-              </a:lnSpc>
-            </a:pPr>
-            <a:r>
-              <a:rPr lang="en-US" altLang="zh-CN" sz="2400" dirty="0"/>
-              <a:t>   </a:t>
-            </a:r>
-            <a:r>
-              <a:rPr lang="en-US" altLang="zh-CN" sz="2400" dirty="0">
-                <a:solidFill>
-                  <a:srgbClr val="0070C0"/>
-                </a:solidFill>
-              </a:rPr>
-              <a:t>return</a:t>
-            </a:r>
-            <a:r>
-              <a:rPr lang="en-US" altLang="zh-CN" sz="2400" dirty="0"/>
-              <a:t> 0; </a:t>
-            </a:r>
-          </a:p>
-          <a:p>
-            <a:pPr>
-              <a:lnSpc>
-                <a:spcPct val="120000"/>
-              </a:lnSpc>
-            </a:pPr>
-            <a:r>
-              <a:rPr lang="en-US" altLang="zh-CN" sz="2400" dirty="0"/>
-              <a:t>}</a:t>
-            </a:r>
-            <a:endParaRPr lang="zh-CN" altLang="en-US" sz="2400" dirty="0"/>
-          </a:p>
-        </p:txBody>
-      </p:sp>
-    </p:spTree>
-    <p:extLst>
-      <p:ext uri="{BB962C8B-B14F-4D97-AF65-F5344CB8AC3E}">
-        <p14:creationId xmlns:p14="http://schemas.microsoft.com/office/powerpoint/2010/main" val="2201620081"/>
-      </p:ext>
-    </p:extLst>
-  </p:cSld>
-  <p:clrMapOvr>
-    <a:masterClrMapping/>
-  </p:clrMapOvr>
-</p:sld>
-</file>
-
 <file path=ppt/slides/slide44.xml><?xml version="1.0" encoding="utf-8"?>
 <p:sld xmlns:a="http://schemas.openxmlformats.org/drawingml/2006/main" xmlns:r="http://schemas.openxmlformats.org/officeDocument/2006/relationships" xmlns:p="http://schemas.openxmlformats.org/presentationml/2006/main">
   <p:cSld>
@@ -15570,6 +15482,397 @@
       </p:grpSpPr>
       <p:sp>
         <p:nvSpPr>
+          <p:cNvPr id="2" name="标题 1"/>
+          <p:cNvSpPr>
+            <a:spLocks noGrp="1"/>
+          </p:cNvSpPr>
+          <p:nvPr>
+            <p:ph type="title"/>
+          </p:nvPr>
+        </p:nvSpPr>
+        <p:spPr>
+          <a:xfrm>
+            <a:off x="872411" y="193675"/>
+            <a:ext cx="10515600" cy="1325563"/>
+          </a:xfrm>
+        </p:spPr>
+        <p:txBody>
+          <a:bodyPr/>
+          <a:lstStyle/>
+          <a:p>
+            <a:r>
+              <a:rPr lang="zh-CN" altLang="en-US" b="1" dirty="0"/>
+              <a:t>练习</a:t>
+            </a:r>
+          </a:p>
+        </p:txBody>
+      </p:sp>
+      <p:sp>
+        <p:nvSpPr>
+          <p:cNvPr id="3" name="内容占位符 2"/>
+          <p:cNvSpPr>
+            <a:spLocks noGrp="1"/>
+          </p:cNvSpPr>
+          <p:nvPr>
+            <p:ph idx="1"/>
+          </p:nvPr>
+        </p:nvSpPr>
+        <p:spPr>
+          <a:xfrm>
+            <a:off x="872411" y="1331849"/>
+            <a:ext cx="10515600" cy="688618"/>
+          </a:xfrm>
+        </p:spPr>
+        <p:txBody>
+          <a:bodyPr/>
+          <a:lstStyle/>
+          <a:p>
+            <a:r>
+              <a:rPr lang="zh-CN" altLang="en-US" dirty="0"/>
+              <a:t>找出程序中的错误</a:t>
+            </a:r>
+          </a:p>
+        </p:txBody>
+      </p:sp>
+      <p:sp>
+        <p:nvSpPr>
+          <p:cNvPr id="4" name="TextBox 3"/>
+          <p:cNvSpPr txBox="1"/>
+          <p:nvPr/>
+        </p:nvSpPr>
+        <p:spPr>
+          <a:xfrm>
+            <a:off x="1231640" y="1949515"/>
+            <a:ext cx="9797143" cy="4494757"/>
+          </a:xfrm>
+          <a:prstGeom prst="rect">
+            <a:avLst/>
+          </a:prstGeom>
+          <a:noFill/>
+        </p:spPr>
+        <p:txBody>
+          <a:bodyPr wrap="square" rtlCol="0">
+            <a:spAutoFit/>
+          </a:bodyPr>
+          <a:lstStyle/>
+          <a:p>
+            <a:pPr>
+              <a:lnSpc>
+                <a:spcPct val="120000"/>
+              </a:lnSpc>
+            </a:pPr>
+            <a:r>
+              <a:rPr lang="en-US" altLang="zh-CN" sz="2400" dirty="0">
+                <a:solidFill>
+                  <a:srgbClr val="0070C0"/>
+                </a:solidFill>
+              </a:rPr>
+              <a:t>#include </a:t>
+            </a:r>
+            <a:r>
+              <a:rPr lang="en-US" altLang="zh-CN" sz="2400" dirty="0"/>
+              <a:t>&lt;</a:t>
+            </a:r>
+            <a:r>
+              <a:rPr lang="en-US" altLang="zh-CN" sz="2400" dirty="0" err="1"/>
+              <a:t>iostream</a:t>
+            </a:r>
+            <a:r>
+              <a:rPr lang="en-US" altLang="zh-CN" sz="2400" dirty="0"/>
+              <a:t>&gt;</a:t>
+            </a:r>
+          </a:p>
+          <a:p>
+            <a:pPr>
+              <a:lnSpc>
+                <a:spcPct val="120000"/>
+              </a:lnSpc>
+            </a:pPr>
+            <a:r>
+              <a:rPr lang="en-US" altLang="zh-CN" sz="2400" dirty="0">
+                <a:solidFill>
+                  <a:srgbClr val="0070C0"/>
+                </a:solidFill>
+              </a:rPr>
+              <a:t>using</a:t>
+            </a:r>
+            <a:r>
+              <a:rPr lang="en-US" altLang="zh-CN" sz="2400" dirty="0"/>
+              <a:t> namespace </a:t>
+            </a:r>
+            <a:r>
+              <a:rPr lang="en-US" altLang="zh-CN" sz="2400" dirty="0" err="1"/>
+              <a:t>std</a:t>
+            </a:r>
+            <a:endParaRPr lang="en-US" altLang="zh-CN" sz="2400" dirty="0"/>
+          </a:p>
+          <a:p>
+            <a:pPr>
+              <a:lnSpc>
+                <a:spcPct val="120000"/>
+              </a:lnSpc>
+            </a:pPr>
+            <a:r>
+              <a:rPr lang="en-US" altLang="zh-CN" sz="2400" dirty="0">
+                <a:solidFill>
+                  <a:srgbClr val="0070C0"/>
+                </a:solidFill>
+              </a:rPr>
+              <a:t>void</a:t>
+            </a:r>
+            <a:r>
+              <a:rPr lang="en-US" altLang="zh-CN" sz="2400" dirty="0"/>
+              <a:t> main () {   </a:t>
+            </a:r>
+          </a:p>
+          <a:p>
+            <a:pPr>
+              <a:lnSpc>
+                <a:spcPct val="120000"/>
+              </a:lnSpc>
+            </a:pPr>
+            <a:r>
+              <a:rPr lang="en-US" altLang="zh-CN" sz="2400" dirty="0"/>
+              <a:t>   </a:t>
+            </a:r>
+            <a:r>
+              <a:rPr lang="en-US" altLang="zh-CN" sz="2400" dirty="0" err="1">
+                <a:solidFill>
+                  <a:srgbClr val="0070C0"/>
+                </a:solidFill>
+              </a:rPr>
+              <a:t>int</a:t>
+            </a:r>
+            <a:r>
+              <a:rPr lang="en-US" altLang="zh-CN" sz="2400" dirty="0"/>
+              <a:t> </a:t>
+            </a:r>
+            <a:r>
+              <a:rPr lang="en-US" altLang="zh-CN" sz="2400" dirty="0" err="1"/>
+              <a:t>FTemp</a:t>
+            </a:r>
+            <a:r>
+              <a:rPr lang="en-US" altLang="zh-CN" sz="2400" dirty="0"/>
+              <a:t> = 0   </a:t>
+            </a:r>
+          </a:p>
+          <a:p>
+            <a:pPr>
+              <a:lnSpc>
+                <a:spcPct val="120000"/>
+              </a:lnSpc>
+            </a:pPr>
+            <a:r>
+              <a:rPr lang="en-US" altLang="zh-CN" sz="2400" dirty="0"/>
+              <a:t>   </a:t>
+            </a:r>
+            <a:r>
+              <a:rPr lang="en-US" altLang="zh-CN" sz="2400" dirty="0" err="1">
+                <a:solidFill>
+                  <a:srgbClr val="0070C0"/>
+                </a:solidFill>
+              </a:rPr>
+              <a:t>int</a:t>
+            </a:r>
+            <a:r>
+              <a:rPr lang="en-US" altLang="zh-CN" sz="2400" dirty="0">
+                <a:solidFill>
+                  <a:srgbClr val="0070C0"/>
+                </a:solidFill>
+              </a:rPr>
+              <a:t> </a:t>
+            </a:r>
+            <a:r>
+              <a:rPr lang="en-US" altLang="zh-CN" sz="2400" dirty="0" err="1"/>
+              <a:t>CTemp</a:t>
+            </a:r>
+            <a:r>
+              <a:rPr lang="en-US" altLang="zh-CN" sz="2400" dirty="0"/>
+              <a:t> = 0;   </a:t>
+            </a:r>
+          </a:p>
+          <a:p>
+            <a:pPr>
+              <a:lnSpc>
+                <a:spcPct val="120000"/>
+              </a:lnSpc>
+            </a:pPr>
+            <a:r>
+              <a:rPr lang="en-US" altLang="zh-CN" sz="2400" dirty="0"/>
+              <a:t>   </a:t>
+            </a:r>
+            <a:r>
+              <a:rPr lang="en-US" altLang="zh-CN" sz="2400" dirty="0" err="1"/>
+              <a:t>cout</a:t>
+            </a:r>
+            <a:r>
+              <a:rPr lang="en-US" altLang="zh-CN" sz="2400" dirty="0"/>
+              <a:t> &gt;&gt; "Enter a </a:t>
+            </a:r>
+            <a:r>
+              <a:rPr lang="en-US" altLang="zh-CN" sz="2400" dirty="0" err="1"/>
+              <a:t>Farenheit</a:t>
+            </a:r>
+            <a:r>
+              <a:rPr lang="en-US" altLang="zh-CN" sz="2400" dirty="0"/>
+              <a:t> temperature: ";   </a:t>
+            </a:r>
+          </a:p>
+          <a:p>
+            <a:pPr>
+              <a:lnSpc>
+                <a:spcPct val="120000"/>
+              </a:lnSpc>
+            </a:pPr>
+            <a:r>
+              <a:rPr lang="en-US" altLang="zh-CN" sz="2400" dirty="0"/>
+              <a:t>   </a:t>
+            </a:r>
+            <a:r>
+              <a:rPr lang="en-US" altLang="zh-CN" sz="2400" dirty="0" err="1"/>
+              <a:t>cin</a:t>
+            </a:r>
+            <a:r>
+              <a:rPr lang="en-US" altLang="zh-CN" sz="2400" dirty="0"/>
+              <a:t> &lt;&lt; </a:t>
+            </a:r>
+            <a:r>
+              <a:rPr lang="en-US" altLang="zh-CN" sz="2400" dirty="0" err="1"/>
+              <a:t>FTemp</a:t>
+            </a:r>
+            <a:r>
+              <a:rPr lang="en-US" altLang="zh-CN" sz="2400" dirty="0"/>
+              <a:t>;   </a:t>
+            </a:r>
+            <a:r>
+              <a:rPr lang="en-US" altLang="zh-CN" sz="2400" dirty="0" err="1"/>
+              <a:t>CTemp</a:t>
+            </a:r>
+            <a:r>
+              <a:rPr lang="en-US" altLang="zh-CN" sz="2400" dirty="0"/>
+              <a:t> = </a:t>
+            </a:r>
+            <a:r>
+              <a:rPr lang="en-US" altLang="zh-CN" sz="2400" dirty="0" err="1"/>
+              <a:t>FTemp</a:t>
+            </a:r>
+            <a:r>
+              <a:rPr lang="en-US" altLang="zh-CN" sz="2400" dirty="0"/>
+              <a:t> - 32 / (9/5);   </a:t>
+            </a:r>
+          </a:p>
+          <a:p>
+            <a:pPr>
+              <a:lnSpc>
+                <a:spcPct val="120000"/>
+              </a:lnSpc>
+            </a:pPr>
+            <a:r>
+              <a:rPr lang="en-US" altLang="zh-CN" sz="2400" dirty="0"/>
+              <a:t>   </a:t>
+            </a:r>
+            <a:r>
+              <a:rPr lang="en-US" altLang="zh-CN" sz="2400" dirty="0" err="1"/>
+              <a:t>cout</a:t>
+            </a:r>
+            <a:r>
+              <a:rPr lang="en-US" altLang="zh-CN" sz="2400" dirty="0"/>
+              <a:t> &gt;&gt; "\n &lt;&lt;</a:t>
+            </a:r>
+            <a:r>
+              <a:rPr lang="en-US" altLang="zh-CN" sz="2400" dirty="0" err="1"/>
+              <a:t>FTemp</a:t>
+            </a:r>
+            <a:r>
+              <a:rPr lang="en-US" altLang="zh-CN" sz="2400" dirty="0"/>
+              <a:t> &gt;&gt; " in </a:t>
+            </a:r>
+            <a:r>
+              <a:rPr lang="en-US" altLang="zh-CN" sz="2400" dirty="0" err="1"/>
+              <a:t>Farenheit</a:t>
+            </a:r>
+            <a:r>
+              <a:rPr lang="en-US" altLang="zh-CN" sz="2400" dirty="0"/>
+              <a:t> = "  &gt;&gt; </a:t>
+            </a:r>
+            <a:r>
+              <a:rPr lang="en-US" altLang="zh-CN" sz="2400" dirty="0" err="1"/>
+              <a:t>CTemp</a:t>
+            </a:r>
+            <a:r>
+              <a:rPr lang="en-US" altLang="zh-CN" sz="2400" dirty="0"/>
+              <a:t> &gt;&gt; in Celsius\n";   </a:t>
+            </a:r>
+          </a:p>
+          <a:p>
+            <a:pPr>
+              <a:lnSpc>
+                <a:spcPct val="120000"/>
+              </a:lnSpc>
+            </a:pPr>
+            <a:r>
+              <a:rPr lang="en-US" altLang="zh-CN" sz="2400" dirty="0"/>
+              <a:t>   </a:t>
+            </a:r>
+            <a:r>
+              <a:rPr lang="en-US" altLang="zh-CN" sz="2400" dirty="0">
+                <a:solidFill>
+                  <a:srgbClr val="0070C0"/>
+                </a:solidFill>
+              </a:rPr>
+              <a:t>return</a:t>
+            </a:r>
+            <a:r>
+              <a:rPr lang="en-US" altLang="zh-CN" sz="2400" dirty="0"/>
+              <a:t> 0; </a:t>
+            </a:r>
+          </a:p>
+          <a:p>
+            <a:pPr>
+              <a:lnSpc>
+                <a:spcPct val="120000"/>
+              </a:lnSpc>
+            </a:pPr>
+            <a:r>
+              <a:rPr lang="en-US" altLang="zh-CN" sz="2400" dirty="0"/>
+              <a:t>}</a:t>
+            </a:r>
+            <a:endParaRPr lang="zh-CN" altLang="en-US" sz="2400" dirty="0"/>
+          </a:p>
+        </p:txBody>
+      </p:sp>
+    </p:spTree>
+    <p:extLst>
+      <p:ext uri="{BB962C8B-B14F-4D97-AF65-F5344CB8AC3E}">
+        <p14:creationId xmlns:p14="http://schemas.microsoft.com/office/powerpoint/2010/main" val="2201620081"/>
+      </p:ext>
+    </p:extLst>
+  </p:cSld>
+  <p:clrMapOvr>
+    <a:masterClrMapping/>
+  </p:clrMapOvr>
+</p:sld>
+</file>
+
+<file path=ppt/slides/slide45.xml><?xml version="1.0" encoding="utf-8"?>
+<p:sld xmlns:a="http://schemas.openxmlformats.org/drawingml/2006/main" xmlns:r="http://schemas.openxmlformats.org/officeDocument/2006/relationships" xmlns:p="http://schemas.openxmlformats.org/presentationml/2006/main">
+  <p:cSld>
+    <p:spTree>
+      <p:nvGrpSpPr>
+        <p:cNvPr id="1" name=""/>
+        <p:cNvGrpSpPr/>
+        <p:nvPr/>
+      </p:nvGrpSpPr>
+      <p:grpSpPr>
+        <a:xfrm>
+          <a:off x="0" y="0"/>
+          <a:ext cx="0" cy="0"/>
+          <a:chOff x="0" y="0"/>
+          <a:chExt cx="0" cy="0"/>
+        </a:xfrm>
+      </p:grpSpPr>
+      <p:sp>
+        <p:nvSpPr>
           <p:cNvPr id="5" name="TextBox 4"/>
           <p:cNvSpPr txBox="1"/>
           <p:nvPr/>
@@ -15866,7 +16169,7 @@
 </p:sld>
 </file>
 
-<file path=ppt/slides/slide45.xml><?xml version="1.0" encoding="utf-8"?>
+<file path=ppt/slides/slide46.xml><?xml version="1.0" encoding="utf-8"?>
 <p:sld xmlns:a="http://schemas.openxmlformats.org/drawingml/2006/main" xmlns:r="http://schemas.openxmlformats.org/officeDocument/2006/relationships" xmlns:p="http://schemas.openxmlformats.org/presentationml/2006/main">
   <p:cSld>
     <p:spTree>
@@ -16138,7 +16441,7 @@
 </p:sld>
 </file>
 
-<file path=ppt/slides/slide46.xml><?xml version="1.0" encoding="utf-8"?>
+<file path=ppt/slides/slide47.xml><?xml version="1.0" encoding="utf-8"?>
 <p:sld xmlns:a="http://schemas.openxmlformats.org/drawingml/2006/main" xmlns:r="http://schemas.openxmlformats.org/officeDocument/2006/relationships" xmlns:p="http://schemas.openxmlformats.org/presentationml/2006/main">
   <p:cSld>
     <p:spTree>
@@ -16402,7 +16705,7 @@
 </p:sld>
 </file>
 
-<file path=ppt/slides/slide47.xml><?xml version="1.0" encoding="utf-8"?>
+<file path=ppt/slides/slide48.xml><?xml version="1.0" encoding="utf-8"?>
 <p:sld xmlns:a="http://schemas.openxmlformats.org/drawingml/2006/main" xmlns:r="http://schemas.openxmlformats.org/officeDocument/2006/relationships" xmlns:p="http://schemas.openxmlformats.org/presentationml/2006/main">
   <p:cSld>
     <p:spTree>
@@ -16801,7 +17104,7 @@
 </p:sld>
 </file>
 
-<file path=ppt/slides/slide48.xml><?xml version="1.0" encoding="utf-8"?>
+<file path=ppt/slides/slide49.xml><?xml version="1.0" encoding="utf-8"?>
 <p:sld xmlns:a="http://schemas.openxmlformats.org/drawingml/2006/main" xmlns:r="http://schemas.openxmlformats.org/officeDocument/2006/relationships" xmlns:p="http://schemas.openxmlformats.org/presentationml/2006/main">
   <p:cSld>
     <p:spTree>
@@ -16820,43 +17123,7 @@
       </p:grpSpPr>
       <p:sp>
         <p:nvSpPr>
-          <p:cNvPr id="2" name="标题 1">
-            <a:extLst>
-              <a:ext uri="{FF2B5EF4-FFF2-40B4-BE49-F238E27FC236}">
-                <a16:creationId xmlns:a16="http://schemas.microsoft.com/office/drawing/2014/main" id="{05E7F983-2072-4362-84CE-F8C728732B09}"/>
-              </a:ext>
-            </a:extLst>
-          </p:cNvPr>
-          <p:cNvSpPr>
-            <a:spLocks noGrp="1"/>
-          </p:cNvSpPr>
-          <p:nvPr>
-            <p:ph type="title"/>
-          </p:nvPr>
-        </p:nvSpPr>
-        <p:spPr/>
-        <p:txBody>
-          <a:bodyPr>
-            <a:normAutofit/>
-          </a:bodyPr>
-          <a:lstStyle/>
-          <a:p>
-            <a:r>
-              <a:rPr lang="zh-CN" altLang="en-US" dirty="0"/>
-              <a:t>关注</a:t>
-            </a:r>
-          </a:p>
-        </p:txBody>
-      </p:sp>
-      <p:sp>
-        <p:nvSpPr>
-          <p:cNvPr id="3" name="内容占位符 2">
-            <a:extLst>
-              <a:ext uri="{FF2B5EF4-FFF2-40B4-BE49-F238E27FC236}">
-                <a16:creationId xmlns:a16="http://schemas.microsoft.com/office/drawing/2014/main" id="{EB9D0E60-DF8A-4D2F-B965-71946CE8AE1D}"/>
-              </a:ext>
-            </a:extLst>
-          </p:cNvPr>
+          <p:cNvPr id="3" name="Content Placeholder 2"/>
           <p:cNvSpPr>
             <a:spLocks noGrp="1"/>
           </p:cNvSpPr>
@@ -16866,8 +17133,8 @@
         </p:nvSpPr>
         <p:spPr>
           <a:xfrm>
-            <a:off x="838200" y="1580606"/>
-            <a:ext cx="10515600" cy="4220754"/>
+            <a:off x="1626181" y="621860"/>
+            <a:ext cx="8854091" cy="4351338"/>
           </a:xfrm>
         </p:spPr>
         <p:txBody>
@@ -16877,124 +17144,125 @@
           <a:lstStyle/>
           <a:p>
             <a:pPr marL="0" indent="0" algn="ctr">
-              <a:lnSpc>
-                <a:spcPct val="170000"/>
-              </a:lnSpc>
               <a:buNone/>
             </a:pPr>
             <a:r>
-              <a:rPr lang="en-US" altLang="zh-CN" dirty="0" err="1"/>
+              <a:rPr lang="zh-CN" altLang="en-US" sz="6736" b="1" dirty="0">
+                <a:solidFill>
+                  <a:srgbClr val="C00000"/>
+                </a:solidFill>
+              </a:rPr>
+              <a:t>关注我</a:t>
+            </a:r>
+            <a:endParaRPr lang="en-US" altLang="zh-CN" sz="6736" b="1" dirty="0">
+              <a:solidFill>
+                <a:srgbClr val="C00000"/>
+              </a:solidFill>
+            </a:endParaRPr>
+          </a:p>
+        </p:txBody>
+      </p:sp>
+      <p:sp>
+        <p:nvSpPr>
+          <p:cNvPr id="2" name="TextBox 1"/>
+          <p:cNvSpPr txBox="1"/>
+          <p:nvPr/>
+        </p:nvSpPr>
+        <p:spPr>
+          <a:xfrm>
+            <a:off x="2267783" y="1876834"/>
+            <a:ext cx="7385783" cy="1692515"/>
+          </a:xfrm>
+          <a:prstGeom prst="rect">
+            <a:avLst/>
+          </a:prstGeom>
+          <a:noFill/>
+        </p:spPr>
+        <p:txBody>
+          <a:bodyPr wrap="square" rtlCol="0">
+            <a:spAutoFit/>
+          </a:bodyPr>
+          <a:lstStyle/>
+          <a:p>
+            <a:pPr algn="ctr">
+              <a:lnSpc>
+                <a:spcPct val="120000"/>
+              </a:lnSpc>
+            </a:pPr>
+            <a:r>
+              <a:rPr lang="zh-CN" altLang="en-US" sz="4491" b="1" dirty="0"/>
+              <a:t>博客：</a:t>
+            </a:r>
+            <a:r>
+              <a:rPr lang="en-US" altLang="zh-CN" sz="4491" b="1" dirty="0"/>
+              <a:t> </a:t>
+            </a:r>
+            <a:r>
+              <a:rPr lang="en-US" altLang="zh-CN" sz="4491" b="1" dirty="0">
+                <a:solidFill>
+                  <a:schemeClr val="accent1"/>
+                </a:solidFill>
+              </a:rPr>
+              <a:t>hwdong-net</a:t>
+            </a:r>
+            <a:r>
+              <a:rPr lang="en-US" altLang="zh-CN" sz="4491" b="1" dirty="0"/>
+              <a:t>.github.io</a:t>
+            </a:r>
+          </a:p>
+          <a:p>
+            <a:pPr algn="ctr">
+              <a:lnSpc>
+                <a:spcPct val="120000"/>
+              </a:lnSpc>
+            </a:pPr>
+            <a:r>
+              <a:rPr lang="en-US" altLang="zh-CN" sz="4491" b="1" dirty="0" err="1"/>
               <a:t>Youtube</a:t>
             </a:r>
             <a:r>
-              <a:rPr lang="zh-CN" altLang="en-US" dirty="0"/>
-              <a:t>频道：</a:t>
-            </a:r>
-            <a:r>
-              <a:rPr lang="en-US" altLang="zh-CN" dirty="0">
-                <a:hlinkClick r:id="rId2"/>
-              </a:rPr>
-              <a:t>https://www.youtube.com/c/hwdong</a:t>
-            </a:r>
-            <a:endParaRPr lang="en-US" altLang="zh-CN" dirty="0"/>
-          </a:p>
-          <a:p>
-            <a:pPr marL="0" indent="0" algn="ctr">
-              <a:lnSpc>
-                <a:spcPct val="170000"/>
-              </a:lnSpc>
-              <a:buNone/>
-            </a:pPr>
-            <a:r>
-              <a:rPr lang="zh-CN" altLang="en-US" dirty="0"/>
-              <a:t>博客：</a:t>
-            </a:r>
-            <a:r>
-              <a:rPr lang="en-US" altLang="zh-CN" dirty="0">
-                <a:hlinkClick r:id="rId3"/>
-              </a:rPr>
-              <a:t>https://hwdong-net.github.io</a:t>
-            </a:r>
-            <a:endParaRPr lang="en-US" altLang="zh-CN" dirty="0"/>
-          </a:p>
-          <a:p>
-            <a:pPr marL="0" indent="0" algn="ctr">
-              <a:lnSpc>
-                <a:spcPct val="170000"/>
-              </a:lnSpc>
-              <a:buNone/>
-            </a:pPr>
-            <a:r>
-              <a:rPr lang="en-US" altLang="zh-CN" dirty="0"/>
-              <a:t>Twitter</a:t>
-            </a:r>
-            <a:r>
-              <a:rPr lang="zh-CN" altLang="en-US" dirty="0"/>
-              <a:t>推特</a:t>
-            </a:r>
-            <a:r>
-              <a:rPr lang="en-US" altLang="zh-CN" dirty="0"/>
-              <a:t>: </a:t>
-            </a:r>
-            <a:r>
-              <a:rPr lang="en-US" altLang="zh-CN" dirty="0">
-                <a:hlinkClick r:id="rId4"/>
-              </a:rPr>
-              <a:t>https://twitter.com/hwdong </a:t>
-            </a:r>
-            <a:endParaRPr lang="en-US" altLang="zh-CN" dirty="0"/>
-          </a:p>
-          <a:p>
-            <a:pPr marL="0" indent="0" algn="ctr">
-              <a:lnSpc>
-                <a:spcPct val="170000"/>
-              </a:lnSpc>
-              <a:buNone/>
-            </a:pPr>
-            <a:r>
-              <a:rPr lang="en-US" altLang="zh-CN" dirty="0"/>
-              <a:t>B</a:t>
-            </a:r>
-            <a:r>
-              <a:rPr lang="zh-CN" altLang="en-US" dirty="0"/>
-              <a:t>站：</a:t>
-            </a:r>
-            <a:r>
-              <a:rPr lang="en-US" altLang="zh-CN" dirty="0" err="1"/>
-              <a:t>hw</a:t>
-            </a:r>
-            <a:r>
-              <a:rPr lang="en-US" altLang="zh-CN" dirty="0"/>
-              <a:t>-dong</a:t>
-            </a:r>
-          </a:p>
-          <a:p>
-            <a:pPr marL="0" indent="0" algn="ctr">
-              <a:lnSpc>
-                <a:spcPct val="170000"/>
-              </a:lnSpc>
-              <a:buNone/>
-            </a:pPr>
-            <a:r>
-              <a:rPr lang="zh-CN" altLang="en-US" dirty="0"/>
-              <a:t>腾讯课堂：</a:t>
-            </a:r>
-            <a:r>
-              <a:rPr lang="en-US" altLang="zh-CN" dirty="0">
-                <a:hlinkClick r:id="rId5" action="ppaction://hlinkfile"/>
-              </a:rPr>
-              <a:t>hwdong.ke.qq.com</a:t>
-            </a:r>
-            <a:endParaRPr lang="en-US" altLang="zh-CN" dirty="0"/>
-          </a:p>
-        </p:txBody>
-      </p:sp>
+              <a:rPr lang="zh-CN" altLang="en-US" sz="4491" b="1" dirty="0"/>
+              <a:t>频道</a:t>
+            </a:r>
+            <a:r>
+              <a:rPr lang="en-US" altLang="zh-CN" sz="4491" b="1" dirty="0"/>
+              <a:t>    </a:t>
+            </a:r>
+            <a:endParaRPr lang="en-US" sz="4491" b="1" dirty="0"/>
+          </a:p>
+        </p:txBody>
+      </p:sp>
+      <p:pic>
+        <p:nvPicPr>
+          <p:cNvPr id="6" name="图片 5">
+            <a:extLst>
+              <a:ext uri="{FF2B5EF4-FFF2-40B4-BE49-F238E27FC236}">
+                <a16:creationId xmlns:a16="http://schemas.microsoft.com/office/drawing/2014/main" id="{071BC4AD-CE61-46EB-8723-3A2CB52C1C07}"/>
+              </a:ext>
+            </a:extLst>
+          </p:cNvPr>
+          <p:cNvPicPr>
+            <a:picLocks noChangeAspect="1"/>
+          </p:cNvPicPr>
+          <p:nvPr/>
+        </p:nvPicPr>
+        <p:blipFill>
+          <a:blip r:embed="rId2"/>
+          <a:stretch>
+            <a:fillRect/>
+          </a:stretch>
+        </p:blipFill>
+        <p:spPr>
+          <a:xfrm>
+            <a:off x="2406864" y="3519526"/>
+            <a:ext cx="8212491" cy="2708646"/>
+          </a:xfrm>
+          <a:prstGeom prst="rect">
+            <a:avLst/>
+          </a:prstGeom>
+        </p:spPr>
+      </p:pic>
     </p:spTree>
-    <p:extLst>
-      <p:ext uri="{BB962C8B-B14F-4D97-AF65-F5344CB8AC3E}">
-        <p14:creationId xmlns:p14="http://schemas.microsoft.com/office/powerpoint/2010/main" val="2812472035"/>
-      </p:ext>
-    </p:extLst>
   </p:cSld>
   <p:clrMapOvr>
     <a:masterClrMapping/>
